--- a/codesummary_cjf.pptx
+++ b/codesummary_cjf.pptx
@@ -6,7 +6,8 @@
   </p:sldMasterIdLst>
   <p:sldIdLst>
     <p:sldId id="256" r:id="rId2"/>
-    <p:sldId id="257" r:id="rId3"/>
+    <p:sldId id="259" r:id="rId3"/>
+    <p:sldId id="257" r:id="rId4"/>
   </p:sldIdLst>
   <p:sldSz cx="12192000" cy="6858000"/>
   <p:notesSz cx="6858000" cy="9144000"/>
@@ -105,6 +106,11 @@
       </a:defRPr>
     </a:lvl9pPr>
   </p:defaultTextStyle>
+  <p:extLst>
+    <p:ext uri="{EFAFB233-063F-42B5-8137-9DF3F51BA10A}">
+      <p15:sldGuideLst xmlns:p15="http://schemas.microsoft.com/office/powerpoint/2012/main"/>
+    </p:ext>
+  </p:extLst>
 </p:presentation>
 </file>
 
@@ -3336,7 +3342,7 @@
         </p:nvSpPr>
         <p:spPr>
           <a:xfrm>
-            <a:off x="1109932" y="1091092"/>
+            <a:off x="1218989" y="1502153"/>
             <a:ext cx="9972136" cy="4247317"/>
           </a:xfrm>
           <a:prstGeom prst="rect">
@@ -3579,6 +3585,41 @@
             <a:r>
               <a:rPr lang="en-US" dirty="0"/>
               <a:t> – many text files of currents</a:t>
+            </a:r>
+          </a:p>
+        </p:txBody>
+      </p:sp>
+      <p:sp>
+        <p:nvSpPr>
+          <p:cNvPr id="2" name="TextBox 1">
+            <a:extLst>
+              <a:ext uri="{FF2B5EF4-FFF2-40B4-BE49-F238E27FC236}">
+                <a16:creationId xmlns:a16="http://schemas.microsoft.com/office/drawing/2014/main" id="{82F2D8F2-731B-4F91-9423-FFD66A0B916E}"/>
+              </a:ext>
+            </a:extLst>
+          </p:cNvPr>
+          <p:cNvSpPr txBox="1"/>
+          <p:nvPr/>
+        </p:nvSpPr>
+        <p:spPr>
+          <a:xfrm>
+            <a:off x="-1" y="0"/>
+            <a:ext cx="7172587" cy="830997"/>
+          </a:xfrm>
+          <a:prstGeom prst="rect">
+            <a:avLst/>
+          </a:prstGeom>
+          <a:noFill/>
+        </p:spPr>
+        <p:txBody>
+          <a:bodyPr wrap="square" rtlCol="0">
+            <a:spAutoFit/>
+          </a:bodyPr>
+          <a:lstStyle/>
+          <a:p>
+            <a:r>
+              <a:rPr lang="en-US" sz="4800" dirty="0"/>
+              <a:t>overview of folders</a:t>
             </a:r>
           </a:p>
         </p:txBody>
@@ -3597,6 +3638,3599 @@
 </file>
 
 <file path=ppt/slides/slide2.xml><?xml version="1.0" encoding="utf-8"?>
+<p:sld xmlns:a="http://schemas.openxmlformats.org/drawingml/2006/main" xmlns:r="http://schemas.openxmlformats.org/officeDocument/2006/relationships" xmlns:p="http://schemas.openxmlformats.org/presentationml/2006/main">
+  <p:cSld>
+    <p:spTree>
+      <p:nvGrpSpPr>
+        <p:cNvPr id="1" name=""/>
+        <p:cNvGrpSpPr/>
+        <p:nvPr/>
+      </p:nvGrpSpPr>
+      <p:grpSpPr>
+        <a:xfrm>
+          <a:off x="0" y="0"/>
+          <a:ext cx="0" cy="0"/>
+          <a:chOff x="0" y="0"/>
+          <a:chExt cx="0" cy="0"/>
+        </a:xfrm>
+      </p:grpSpPr>
+      <p:sp>
+        <p:nvSpPr>
+          <p:cNvPr id="4" name="TextBox 3"/>
+          <p:cNvSpPr txBox="1"/>
+          <p:nvPr/>
+        </p:nvSpPr>
+        <p:spPr>
+          <a:xfrm>
+            <a:off x="4953000" y="152401"/>
+            <a:ext cx="1905000" cy="646331"/>
+          </a:xfrm>
+          <a:prstGeom prst="rect">
+            <a:avLst/>
+          </a:prstGeom>
+          <a:noFill/>
+        </p:spPr>
+        <p:txBody>
+          <a:bodyPr wrap="square" rtlCol="0">
+            <a:spAutoFit/>
+          </a:bodyPr>
+          <a:lstStyle/>
+          <a:p>
+            <a:pPr algn="ctr"/>
+            <a:r>
+              <a:rPr lang="en-US" dirty="0" err="1"/>
+              <a:t>SequencerGUI</a:t>
+            </a:r>
+            <a:r>
+              <a:rPr lang="en-US" dirty="0"/>
+              <a:t>()</a:t>
+            </a:r>
+          </a:p>
+          <a:p>
+            <a:pPr algn="ctr"/>
+            <a:r>
+              <a:rPr lang="en-US" dirty="0"/>
+              <a:t>(creates the GUI)</a:t>
+            </a:r>
+          </a:p>
+        </p:txBody>
+      </p:sp>
+      <p:cxnSp>
+        <p:nvCxnSpPr>
+          <p:cNvPr id="6" name="Straight Arrow Connector 5"/>
+          <p:cNvCxnSpPr/>
+          <p:nvPr/>
+        </p:nvCxnSpPr>
+        <p:spPr>
+          <a:xfrm flipH="1">
+            <a:off x="4343400" y="685800"/>
+            <a:ext cx="457200" cy="381000"/>
+          </a:xfrm>
+          <a:prstGeom prst="straightConnector1">
+            <a:avLst/>
+          </a:prstGeom>
+          <a:ln>
+            <a:tailEnd type="arrow"/>
+          </a:ln>
+        </p:spPr>
+        <p:style>
+          <a:lnRef idx="1">
+            <a:schemeClr val="accent1"/>
+          </a:lnRef>
+          <a:fillRef idx="0">
+            <a:schemeClr val="accent1"/>
+          </a:fillRef>
+          <a:effectRef idx="0">
+            <a:schemeClr val="accent1"/>
+          </a:effectRef>
+          <a:fontRef idx="minor">
+            <a:schemeClr val="tx1"/>
+          </a:fontRef>
+        </p:style>
+      </p:cxnSp>
+      <p:sp>
+        <p:nvSpPr>
+          <p:cNvPr id="7" name="TextBox 6"/>
+          <p:cNvSpPr txBox="1"/>
+          <p:nvPr/>
+        </p:nvSpPr>
+        <p:spPr>
+          <a:xfrm>
+            <a:off x="2971800" y="1140630"/>
+            <a:ext cx="2743200" cy="923330"/>
+          </a:xfrm>
+          <a:prstGeom prst="rect">
+            <a:avLst/>
+          </a:prstGeom>
+          <a:noFill/>
+        </p:spPr>
+        <p:txBody>
+          <a:bodyPr wrap="square" rtlCol="0">
+            <a:spAutoFit/>
+          </a:bodyPr>
+          <a:lstStyle/>
+          <a:p>
+            <a:pPr algn="ctr"/>
+            <a:r>
+              <a:rPr lang="en-US" dirty="0" err="1"/>
+              <a:t>LatticeSequencerInitialize</a:t>
+            </a:r>
+            <a:r>
+              <a:rPr lang="en-US" dirty="0"/>
+              <a:t>()</a:t>
+            </a:r>
+          </a:p>
+          <a:p>
+            <a:pPr algn="ctr"/>
+            <a:r>
+              <a:rPr lang="en-US" dirty="0"/>
+              <a:t>(defines </a:t>
+            </a:r>
+            <a:r>
+              <a:rPr lang="en-US" dirty="0" err="1"/>
+              <a:t>seqdata</a:t>
+            </a:r>
+            <a:r>
+              <a:rPr lang="en-US" dirty="0"/>
+              <a:t> and </a:t>
+            </a:r>
+            <a:r>
+              <a:rPr lang="en-US" dirty="0" err="1"/>
+              <a:t>adwin</a:t>
+            </a:r>
+            <a:r>
+              <a:rPr lang="en-US" dirty="0"/>
+              <a:t> communication)</a:t>
+            </a:r>
+          </a:p>
+        </p:txBody>
+      </p:sp>
+      <p:sp>
+        <p:nvSpPr>
+          <p:cNvPr id="8" name="TextBox 7"/>
+          <p:cNvSpPr txBox="1"/>
+          <p:nvPr/>
+        </p:nvSpPr>
+        <p:spPr>
+          <a:xfrm>
+            <a:off x="6705600" y="1140630"/>
+            <a:ext cx="2743200" cy="369332"/>
+          </a:xfrm>
+          <a:prstGeom prst="rect">
+            <a:avLst/>
+          </a:prstGeom>
+          <a:noFill/>
+        </p:spPr>
+        <p:txBody>
+          <a:bodyPr wrap="square" rtlCol="0">
+            <a:spAutoFit/>
+          </a:bodyPr>
+          <a:lstStyle/>
+          <a:p>
+            <a:r>
+              <a:rPr lang="en-US" dirty="0"/>
+              <a:t>GUI Functions (Callbacks)</a:t>
+            </a:r>
+          </a:p>
+        </p:txBody>
+      </p:sp>
+      <p:cxnSp>
+        <p:nvCxnSpPr>
+          <p:cNvPr id="10" name="Straight Arrow Connector 9"/>
+          <p:cNvCxnSpPr/>
+          <p:nvPr/>
+        </p:nvCxnSpPr>
+        <p:spPr>
+          <a:xfrm>
+            <a:off x="6400800" y="521732"/>
+            <a:ext cx="1219200" cy="545068"/>
+          </a:xfrm>
+          <a:prstGeom prst="straightConnector1">
+            <a:avLst/>
+          </a:prstGeom>
+          <a:ln>
+            <a:tailEnd type="arrow"/>
+          </a:ln>
+        </p:spPr>
+        <p:style>
+          <a:lnRef idx="1">
+            <a:schemeClr val="accent1"/>
+          </a:lnRef>
+          <a:fillRef idx="0">
+            <a:schemeClr val="accent1"/>
+          </a:fillRef>
+          <a:effectRef idx="0">
+            <a:schemeClr val="accent1"/>
+          </a:effectRef>
+          <a:fontRef idx="minor">
+            <a:schemeClr val="tx1"/>
+          </a:fontRef>
+        </p:style>
+      </p:cxnSp>
+      <p:cxnSp>
+        <p:nvCxnSpPr>
+          <p:cNvPr id="11" name="Straight Arrow Connector 10"/>
+          <p:cNvCxnSpPr/>
+          <p:nvPr/>
+        </p:nvCxnSpPr>
+        <p:spPr>
+          <a:xfrm flipH="1">
+            <a:off x="2971800" y="2209800"/>
+            <a:ext cx="457200" cy="381000"/>
+          </a:xfrm>
+          <a:prstGeom prst="straightConnector1">
+            <a:avLst/>
+          </a:prstGeom>
+          <a:ln>
+            <a:tailEnd type="arrow"/>
+          </a:ln>
+        </p:spPr>
+        <p:style>
+          <a:lnRef idx="1">
+            <a:schemeClr val="accent1"/>
+          </a:lnRef>
+          <a:fillRef idx="0">
+            <a:schemeClr val="accent1"/>
+          </a:fillRef>
+          <a:effectRef idx="0">
+            <a:schemeClr val="accent1"/>
+          </a:effectRef>
+          <a:fontRef idx="minor">
+            <a:schemeClr val="tx1"/>
+          </a:fontRef>
+        </p:style>
+      </p:cxnSp>
+      <p:sp>
+        <p:nvSpPr>
+          <p:cNvPr id="12" name="TextBox 11"/>
+          <p:cNvSpPr txBox="1"/>
+          <p:nvPr/>
+        </p:nvSpPr>
+        <p:spPr>
+          <a:xfrm>
+            <a:off x="1600200" y="2743200"/>
+            <a:ext cx="2743200" cy="1477328"/>
+          </a:xfrm>
+          <a:prstGeom prst="rect">
+            <a:avLst/>
+          </a:prstGeom>
+          <a:noFill/>
+        </p:spPr>
+        <p:txBody>
+          <a:bodyPr wrap="square" rtlCol="0">
+            <a:spAutoFit/>
+          </a:bodyPr>
+          <a:lstStyle/>
+          <a:p>
+            <a:pPr algn="ctr"/>
+            <a:r>
+              <a:rPr lang="en-US" dirty="0" err="1"/>
+              <a:t>initialize_channels</a:t>
+            </a:r>
+            <a:r>
+              <a:rPr lang="en-US" dirty="0"/>
+              <a:t>()</a:t>
+            </a:r>
+          </a:p>
+          <a:p>
+            <a:pPr algn="ctr"/>
+            <a:r>
+              <a:rPr lang="en-US" dirty="0"/>
+              <a:t>(defines properties for all </a:t>
+            </a:r>
+            <a:r>
+              <a:rPr lang="en-US" dirty="0" err="1"/>
+              <a:t>adwin</a:t>
+            </a:r>
+            <a:r>
+              <a:rPr lang="en-US" dirty="0"/>
+              <a:t> channels [names, default settings, calibrations, </a:t>
+            </a:r>
+            <a:r>
+              <a:rPr lang="en-US" dirty="0" err="1"/>
+              <a:t>etc</a:t>
+            </a:r>
+            <a:r>
+              <a:rPr lang="en-US" dirty="0"/>
+              <a:t>…])</a:t>
+            </a:r>
+          </a:p>
+        </p:txBody>
+      </p:sp>
+      <p:sp>
+        <p:nvSpPr>
+          <p:cNvPr id="13" name="Rectangle 12"/>
+          <p:cNvSpPr/>
+          <p:nvPr/>
+        </p:nvSpPr>
+        <p:spPr>
+          <a:xfrm>
+            <a:off x="1669143" y="4220529"/>
+            <a:ext cx="5116286" cy="1200329"/>
+          </a:xfrm>
+          <a:prstGeom prst="rect">
+            <a:avLst/>
+          </a:prstGeom>
+        </p:spPr>
+        <p:txBody>
+          <a:bodyPr wrap="square">
+            <a:spAutoFit/>
+          </a:bodyPr>
+          <a:lstStyle/>
+          <a:p>
+            <a:pPr algn="ctr"/>
+            <a:r>
+              <a:rPr lang="en-US" dirty="0"/>
+              <a:t>‘Run’ -&gt; </a:t>
+            </a:r>
+            <a:r>
+              <a:rPr lang="en-US" dirty="0" err="1"/>
+              <a:t>cycle_sequence</a:t>
+            </a:r>
+            <a:r>
+              <a:rPr lang="en-US" dirty="0"/>
+              <a:t>(</a:t>
+            </a:r>
+            <a:r>
+              <a:rPr lang="en-US" dirty="0" err="1"/>
+              <a:t>sequencefunc,waittime,targettime,startcycle,endcycle</a:t>
+            </a:r>
+            <a:r>
+              <a:rPr lang="en-US" dirty="0"/>
+              <a:t>)</a:t>
+            </a:r>
+          </a:p>
+          <a:p>
+            <a:pPr algn="ctr"/>
+            <a:r>
+              <a:rPr lang="en-US" dirty="0"/>
+              <a:t>(runs the cycle indicated by </a:t>
+            </a:r>
+            <a:r>
+              <a:rPr lang="en-US" dirty="0" err="1"/>
+              <a:t>sequencefunc</a:t>
+            </a:r>
+            <a:r>
+              <a:rPr lang="en-US" dirty="0"/>
+              <a:t>)</a:t>
+            </a:r>
+          </a:p>
+        </p:txBody>
+      </p:sp>
+      <p:cxnSp>
+        <p:nvCxnSpPr>
+          <p:cNvPr id="15" name="Straight Arrow Connector 14"/>
+          <p:cNvCxnSpPr/>
+          <p:nvPr/>
+        </p:nvCxnSpPr>
+        <p:spPr>
+          <a:xfrm flipH="1">
+            <a:off x="4800600" y="1752600"/>
+            <a:ext cx="2057400" cy="2467928"/>
+          </a:xfrm>
+          <a:prstGeom prst="straightConnector1">
+            <a:avLst/>
+          </a:prstGeom>
+          <a:ln>
+            <a:tailEnd type="arrow"/>
+          </a:ln>
+        </p:spPr>
+        <p:style>
+          <a:lnRef idx="1">
+            <a:schemeClr val="accent1"/>
+          </a:lnRef>
+          <a:fillRef idx="0">
+            <a:schemeClr val="accent1"/>
+          </a:fillRef>
+          <a:effectRef idx="0">
+            <a:schemeClr val="accent1"/>
+          </a:effectRef>
+          <a:fontRef idx="minor">
+            <a:schemeClr val="tx1"/>
+          </a:fontRef>
+        </p:style>
+      </p:cxnSp>
+      <p:sp>
+        <p:nvSpPr>
+          <p:cNvPr id="16" name="Rectangle 15"/>
+          <p:cNvSpPr/>
+          <p:nvPr/>
+        </p:nvSpPr>
+        <p:spPr>
+          <a:xfrm>
+            <a:off x="5029202" y="3304125"/>
+            <a:ext cx="3505198" cy="923330"/>
+          </a:xfrm>
+          <a:prstGeom prst="rect">
+            <a:avLst/>
+          </a:prstGeom>
+        </p:spPr>
+        <p:txBody>
+          <a:bodyPr wrap="square">
+            <a:spAutoFit/>
+          </a:bodyPr>
+          <a:lstStyle/>
+          <a:p>
+            <a:pPr algn="ctr"/>
+            <a:r>
+              <a:rPr lang="en-US" dirty="0"/>
+              <a:t>‘Stop’ -&gt; </a:t>
+            </a:r>
+            <a:r>
+              <a:rPr lang="en-US" dirty="0" err="1"/>
+              <a:t>stop_process</a:t>
+            </a:r>
+            <a:r>
+              <a:rPr lang="en-US" dirty="0"/>
+              <a:t>()</a:t>
+            </a:r>
+          </a:p>
+          <a:p>
+            <a:pPr algn="ctr"/>
+            <a:r>
+              <a:rPr lang="en-US" dirty="0"/>
+              <a:t>(attempts to stop cycle after current cycle completes)</a:t>
+            </a:r>
+          </a:p>
+        </p:txBody>
+      </p:sp>
+      <p:cxnSp>
+        <p:nvCxnSpPr>
+          <p:cNvPr id="18" name="Straight Arrow Connector 17"/>
+          <p:cNvCxnSpPr/>
+          <p:nvPr/>
+        </p:nvCxnSpPr>
+        <p:spPr>
+          <a:xfrm flipH="1">
+            <a:off x="6705600" y="1752600"/>
+            <a:ext cx="914401" cy="1524000"/>
+          </a:xfrm>
+          <a:prstGeom prst="straightConnector1">
+            <a:avLst/>
+          </a:prstGeom>
+          <a:ln>
+            <a:tailEnd type="arrow"/>
+          </a:ln>
+        </p:spPr>
+        <p:style>
+          <a:lnRef idx="1">
+            <a:schemeClr val="accent1"/>
+          </a:lnRef>
+          <a:fillRef idx="0">
+            <a:schemeClr val="accent1"/>
+          </a:fillRef>
+          <a:effectRef idx="0">
+            <a:schemeClr val="accent1"/>
+          </a:effectRef>
+          <a:fontRef idx="minor">
+            <a:schemeClr val="tx1"/>
+          </a:fontRef>
+        </p:style>
+      </p:cxnSp>
+      <p:sp>
+        <p:nvSpPr>
+          <p:cNvPr id="19" name="Rectangle 18"/>
+          <p:cNvSpPr/>
+          <p:nvPr/>
+        </p:nvSpPr>
+        <p:spPr>
+          <a:xfrm>
+            <a:off x="7315201" y="2429470"/>
+            <a:ext cx="3829959" cy="923330"/>
+          </a:xfrm>
+          <a:prstGeom prst="rect">
+            <a:avLst/>
+          </a:prstGeom>
+        </p:spPr>
+        <p:txBody>
+          <a:bodyPr wrap="none">
+            <a:spAutoFit/>
+          </a:bodyPr>
+          <a:lstStyle/>
+          <a:p>
+            <a:pPr algn="ctr"/>
+            <a:r>
+              <a:rPr lang="en-US" dirty="0"/>
+              <a:t>‘Abort’ -&gt; </a:t>
+            </a:r>
+            <a:r>
+              <a:rPr lang="en-US" dirty="0" err="1"/>
+              <a:t>abort_process</a:t>
+            </a:r>
+            <a:r>
+              <a:rPr lang="en-US" dirty="0"/>
+              <a:t>()</a:t>
+            </a:r>
+          </a:p>
+          <a:p>
+            <a:pPr algn="ctr"/>
+            <a:r>
+              <a:rPr lang="en-US" dirty="0"/>
+              <a:t>(similar to stop, but can abort</a:t>
+            </a:r>
+          </a:p>
+          <a:p>
+            <a:pPr algn="ctr"/>
+            <a:r>
+              <a:rPr lang="en-US" dirty="0"/>
+              <a:t>A running process. Calls </a:t>
+            </a:r>
+            <a:r>
+              <a:rPr lang="en-US" dirty="0" err="1"/>
+              <a:t>resetADWIN</a:t>
+            </a:r>
+            <a:r>
+              <a:rPr lang="en-US" dirty="0"/>
+              <a:t>())</a:t>
+            </a:r>
+          </a:p>
+        </p:txBody>
+      </p:sp>
+      <p:cxnSp>
+        <p:nvCxnSpPr>
+          <p:cNvPr id="21" name="Straight Arrow Connector 20"/>
+          <p:cNvCxnSpPr/>
+          <p:nvPr/>
+        </p:nvCxnSpPr>
+        <p:spPr>
+          <a:xfrm>
+            <a:off x="8167255" y="1602296"/>
+            <a:ext cx="221672" cy="798005"/>
+          </a:xfrm>
+          <a:prstGeom prst="straightConnector1">
+            <a:avLst/>
+          </a:prstGeom>
+          <a:ln>
+            <a:tailEnd type="arrow"/>
+          </a:ln>
+        </p:spPr>
+        <p:style>
+          <a:lnRef idx="1">
+            <a:schemeClr val="accent1"/>
+          </a:lnRef>
+          <a:fillRef idx="0">
+            <a:schemeClr val="accent1"/>
+          </a:fillRef>
+          <a:effectRef idx="0">
+            <a:schemeClr val="accent1"/>
+          </a:effectRef>
+          <a:fontRef idx="minor">
+            <a:schemeClr val="tx1"/>
+          </a:fontRef>
+        </p:style>
+      </p:cxnSp>
+      <p:sp>
+        <p:nvSpPr>
+          <p:cNvPr id="22" name="Rectangle 21"/>
+          <p:cNvSpPr/>
+          <p:nvPr/>
+        </p:nvSpPr>
+        <p:spPr>
+          <a:xfrm>
+            <a:off x="8965283" y="1539632"/>
+            <a:ext cx="5322740" cy="923330"/>
+          </a:xfrm>
+          <a:prstGeom prst="rect">
+            <a:avLst/>
+          </a:prstGeom>
+        </p:spPr>
+        <p:txBody>
+          <a:bodyPr wrap="none">
+            <a:spAutoFit/>
+          </a:bodyPr>
+          <a:lstStyle/>
+          <a:p>
+            <a:pPr algn="ctr"/>
+            <a:r>
+              <a:rPr lang="en-US" dirty="0"/>
+              <a:t>‘Reset’ -&gt; </a:t>
+            </a:r>
+            <a:r>
+              <a:rPr lang="en-US" dirty="0" err="1"/>
+              <a:t>resetADWIN</a:t>
+            </a:r>
+            <a:r>
+              <a:rPr lang="en-US" dirty="0"/>
+              <a:t>()</a:t>
+            </a:r>
+          </a:p>
+          <a:p>
+            <a:pPr algn="ctr"/>
+            <a:r>
+              <a:rPr lang="en-US" dirty="0"/>
+              <a:t>(calls </a:t>
+            </a:r>
+            <a:r>
+              <a:rPr lang="en-US" dirty="0" err="1"/>
+              <a:t>cycle_sequence</a:t>
+            </a:r>
+            <a:r>
+              <a:rPr lang="en-US" dirty="0"/>
+              <a:t> with a ‘</a:t>
+            </a:r>
+            <a:r>
+              <a:rPr lang="en-US" dirty="0" err="1"/>
+              <a:t>reset_sequence</a:t>
+            </a:r>
+            <a:r>
+              <a:rPr lang="en-US" dirty="0"/>
+              <a:t>’ </a:t>
+            </a:r>
+          </a:p>
+          <a:p>
+            <a:pPr algn="ctr"/>
+            <a:r>
+              <a:rPr lang="en-US" dirty="0"/>
+              <a:t>That resets channels to defaults using </a:t>
+            </a:r>
+            <a:r>
+              <a:rPr lang="en-US" dirty="0" err="1"/>
+              <a:t>Reset_Channels</a:t>
+            </a:r>
+            <a:r>
+              <a:rPr lang="en-US" dirty="0"/>
+              <a:t>)</a:t>
+            </a:r>
+          </a:p>
+        </p:txBody>
+      </p:sp>
+      <p:cxnSp>
+        <p:nvCxnSpPr>
+          <p:cNvPr id="24" name="Straight Arrow Connector 23"/>
+          <p:cNvCxnSpPr/>
+          <p:nvPr/>
+        </p:nvCxnSpPr>
+        <p:spPr>
+          <a:xfrm>
+            <a:off x="8999920" y="1602295"/>
+            <a:ext cx="1058481" cy="303752"/>
+          </a:xfrm>
+          <a:prstGeom prst="straightConnector1">
+            <a:avLst/>
+          </a:prstGeom>
+          <a:ln>
+            <a:tailEnd type="arrow"/>
+          </a:ln>
+        </p:spPr>
+        <p:style>
+          <a:lnRef idx="1">
+            <a:schemeClr val="accent1"/>
+          </a:lnRef>
+          <a:fillRef idx="0">
+            <a:schemeClr val="accent1"/>
+          </a:fillRef>
+          <a:effectRef idx="0">
+            <a:schemeClr val="accent1"/>
+          </a:effectRef>
+          <a:fontRef idx="minor">
+            <a:schemeClr val="tx1"/>
+          </a:fontRef>
+        </p:style>
+      </p:cxnSp>
+      <p:sp>
+        <p:nvSpPr>
+          <p:cNvPr id="27" name="Rectangle 26"/>
+          <p:cNvSpPr/>
+          <p:nvPr/>
+        </p:nvSpPr>
+        <p:spPr>
+          <a:xfrm>
+            <a:off x="8573304" y="424935"/>
+            <a:ext cx="3378938" cy="646331"/>
+          </a:xfrm>
+          <a:prstGeom prst="rect">
+            <a:avLst/>
+          </a:prstGeom>
+        </p:spPr>
+        <p:txBody>
+          <a:bodyPr wrap="none">
+            <a:spAutoFit/>
+          </a:bodyPr>
+          <a:lstStyle/>
+          <a:p>
+            <a:pPr algn="ctr"/>
+            <a:r>
+              <a:rPr lang="en-US" dirty="0"/>
+              <a:t>‘Plot GUI’ -&gt; </a:t>
+            </a:r>
+            <a:r>
+              <a:rPr lang="en-US" dirty="0" err="1"/>
+              <a:t>PlotGUI</a:t>
+            </a:r>
+            <a:r>
+              <a:rPr lang="en-US" dirty="0"/>
+              <a:t>(</a:t>
+            </a:r>
+            <a:r>
+              <a:rPr lang="en-US" dirty="0" err="1"/>
+              <a:t>hFigure</a:t>
+            </a:r>
+            <a:r>
+              <a:rPr lang="en-US" dirty="0"/>
+              <a:t>)</a:t>
+            </a:r>
+          </a:p>
+          <a:p>
+            <a:pPr algn="ctr"/>
+            <a:r>
+              <a:rPr lang="en-US" dirty="0"/>
+              <a:t>(generates list of channels to plot)</a:t>
+            </a:r>
+          </a:p>
+        </p:txBody>
+      </p:sp>
+      <p:cxnSp>
+        <p:nvCxnSpPr>
+          <p:cNvPr id="28" name="Straight Arrow Connector 27"/>
+          <p:cNvCxnSpPr>
+            <a:stCxn id="8" idx="0"/>
+          </p:cNvCxnSpPr>
+          <p:nvPr/>
+        </p:nvCxnSpPr>
+        <p:spPr>
+          <a:xfrm flipV="1">
+            <a:off x="8077201" y="424936"/>
+            <a:ext cx="1" cy="715695"/>
+          </a:xfrm>
+          <a:prstGeom prst="straightConnector1">
+            <a:avLst/>
+          </a:prstGeom>
+          <a:ln>
+            <a:tailEnd type="arrow"/>
+          </a:ln>
+        </p:spPr>
+        <p:style>
+          <a:lnRef idx="1">
+            <a:schemeClr val="accent1"/>
+          </a:lnRef>
+          <a:fillRef idx="0">
+            <a:schemeClr val="accent1"/>
+          </a:fillRef>
+          <a:effectRef idx="0">
+            <a:schemeClr val="accent1"/>
+          </a:effectRef>
+          <a:fontRef idx="minor">
+            <a:schemeClr val="tx1"/>
+          </a:fontRef>
+        </p:style>
+      </p:cxnSp>
+      <p:sp>
+        <p:nvSpPr>
+          <p:cNvPr id="30" name="Rectangle 29"/>
+          <p:cNvSpPr/>
+          <p:nvPr/>
+        </p:nvSpPr>
+        <p:spPr>
+          <a:xfrm>
+            <a:off x="7880836" y="4866274"/>
+            <a:ext cx="2698687" cy="646331"/>
+          </a:xfrm>
+          <a:prstGeom prst="rect">
+            <a:avLst/>
+          </a:prstGeom>
+        </p:spPr>
+        <p:txBody>
+          <a:bodyPr wrap="none">
+            <a:spAutoFit/>
+          </a:bodyPr>
+          <a:lstStyle/>
+          <a:p>
+            <a:pPr algn="ctr"/>
+            <a:r>
+              <a:rPr lang="en-US" dirty="0" err="1"/>
+              <a:t>getRunStatus</a:t>
+            </a:r>
+            <a:r>
+              <a:rPr lang="en-US" dirty="0"/>
+              <a:t>()</a:t>
+            </a:r>
+          </a:p>
+          <a:p>
+            <a:pPr algn="ctr"/>
+            <a:r>
+              <a:rPr lang="en-US" dirty="0"/>
+              <a:t>(queries </a:t>
+            </a:r>
+            <a:r>
+              <a:rPr lang="en-US" dirty="0" err="1"/>
+              <a:t>AdWin</a:t>
+            </a:r>
+            <a:r>
+              <a:rPr lang="en-US" dirty="0"/>
+              <a:t> run status)</a:t>
+            </a:r>
+          </a:p>
+        </p:txBody>
+      </p:sp>
+      <p:cxnSp>
+        <p:nvCxnSpPr>
+          <p:cNvPr id="31" name="Straight Arrow Connector 30"/>
+          <p:cNvCxnSpPr/>
+          <p:nvPr/>
+        </p:nvCxnSpPr>
+        <p:spPr>
+          <a:xfrm>
+            <a:off x="6705600" y="4243864"/>
+            <a:ext cx="658090" cy="762000"/>
+          </a:xfrm>
+          <a:prstGeom prst="straightConnector1">
+            <a:avLst/>
+          </a:prstGeom>
+          <a:ln>
+            <a:tailEnd type="arrow"/>
+          </a:ln>
+        </p:spPr>
+        <p:style>
+          <a:lnRef idx="1">
+            <a:schemeClr val="accent1"/>
+          </a:lnRef>
+          <a:fillRef idx="0">
+            <a:schemeClr val="accent1"/>
+          </a:fillRef>
+          <a:effectRef idx="0">
+            <a:schemeClr val="accent1"/>
+          </a:effectRef>
+          <a:fontRef idx="minor">
+            <a:schemeClr val="tx1"/>
+          </a:fontRef>
+        </p:style>
+      </p:cxnSp>
+      <p:sp>
+        <p:nvSpPr>
+          <p:cNvPr id="33" name="Rectangle 32"/>
+          <p:cNvSpPr/>
+          <p:nvPr/>
+        </p:nvSpPr>
+        <p:spPr>
+          <a:xfrm>
+            <a:off x="7374641" y="5553165"/>
+            <a:ext cx="3770519" cy="646331"/>
+          </a:xfrm>
+          <a:prstGeom prst="rect">
+            <a:avLst/>
+          </a:prstGeom>
+        </p:spPr>
+        <p:txBody>
+          <a:bodyPr wrap="none">
+            <a:spAutoFit/>
+          </a:bodyPr>
+          <a:lstStyle/>
+          <a:p>
+            <a:pPr algn="ctr"/>
+            <a:r>
+              <a:rPr lang="en-US" dirty="0" err="1"/>
+              <a:t>CleanUpTimers</a:t>
+            </a:r>
+            <a:r>
+              <a:rPr lang="en-US" dirty="0"/>
+              <a:t>()</a:t>
+            </a:r>
+          </a:p>
+          <a:p>
+            <a:pPr algn="ctr"/>
+            <a:r>
+              <a:rPr lang="en-US" dirty="0"/>
+              <a:t>(this is what actually stops the </a:t>
+            </a:r>
+            <a:r>
+              <a:rPr lang="en-US" dirty="0" err="1"/>
+              <a:t>AdWin</a:t>
+            </a:r>
+            <a:r>
+              <a:rPr lang="en-US" dirty="0"/>
+              <a:t>)</a:t>
+            </a:r>
+          </a:p>
+        </p:txBody>
+      </p:sp>
+      <p:cxnSp>
+        <p:nvCxnSpPr>
+          <p:cNvPr id="35" name="Straight Arrow Connector 34"/>
+          <p:cNvCxnSpPr/>
+          <p:nvPr/>
+        </p:nvCxnSpPr>
+        <p:spPr>
+          <a:xfrm>
+            <a:off x="9119755" y="3458528"/>
+            <a:ext cx="0" cy="1342072"/>
+          </a:xfrm>
+          <a:prstGeom prst="straightConnector1">
+            <a:avLst/>
+          </a:prstGeom>
+          <a:ln>
+            <a:tailEnd type="arrow"/>
+          </a:ln>
+        </p:spPr>
+        <p:style>
+          <a:lnRef idx="1">
+            <a:schemeClr val="accent1"/>
+          </a:lnRef>
+          <a:fillRef idx="0">
+            <a:schemeClr val="accent1"/>
+          </a:fillRef>
+          <a:effectRef idx="0">
+            <a:schemeClr val="accent1"/>
+          </a:effectRef>
+          <a:fontRef idx="minor">
+            <a:schemeClr val="tx1"/>
+          </a:fontRef>
+        </p:style>
+      </p:cxnSp>
+      <p:sp>
+        <p:nvSpPr>
+          <p:cNvPr id="38" name="Rectangle 37"/>
+          <p:cNvSpPr/>
+          <p:nvPr/>
+        </p:nvSpPr>
+        <p:spPr>
+          <a:xfrm>
+            <a:off x="5905501" y="-124599"/>
+            <a:ext cx="8648699" cy="646331"/>
+          </a:xfrm>
+          <a:prstGeom prst="rect">
+            <a:avLst/>
+          </a:prstGeom>
+        </p:spPr>
+        <p:txBody>
+          <a:bodyPr wrap="square">
+            <a:spAutoFit/>
+          </a:bodyPr>
+          <a:lstStyle/>
+          <a:p>
+            <a:pPr algn="ctr"/>
+            <a:r>
+              <a:rPr lang="en-US" dirty="0"/>
+              <a:t>‘Plot’ -&gt; PlotSequenceVersion2(</a:t>
+            </a:r>
+            <a:r>
+              <a:rPr lang="en-US" dirty="0" err="1"/>
+              <a:t>sequencefunc,startcycle,plotchannels,plot_times</a:t>
+            </a:r>
+            <a:r>
+              <a:rPr lang="en-US" dirty="0"/>
+              <a:t>)</a:t>
+            </a:r>
+          </a:p>
+          <a:p>
+            <a:pPr algn="ctr"/>
+            <a:r>
+              <a:rPr lang="en-US" dirty="0"/>
+              <a:t>(Plots channels for the current sequence as specified in the Plot GUI)</a:t>
+            </a:r>
+          </a:p>
+        </p:txBody>
+      </p:sp>
+      <p:cxnSp>
+        <p:nvCxnSpPr>
+          <p:cNvPr id="41" name="Straight Arrow Connector 40"/>
+          <p:cNvCxnSpPr/>
+          <p:nvPr/>
+        </p:nvCxnSpPr>
+        <p:spPr>
+          <a:xfrm flipV="1">
+            <a:off x="8566270" y="1071266"/>
+            <a:ext cx="1263530" cy="147937"/>
+          </a:xfrm>
+          <a:prstGeom prst="straightConnector1">
+            <a:avLst/>
+          </a:prstGeom>
+          <a:ln>
+            <a:tailEnd type="arrow"/>
+          </a:ln>
+        </p:spPr>
+        <p:style>
+          <a:lnRef idx="1">
+            <a:schemeClr val="accent1"/>
+          </a:lnRef>
+          <a:fillRef idx="0">
+            <a:schemeClr val="accent1"/>
+          </a:fillRef>
+          <a:effectRef idx="0">
+            <a:schemeClr val="accent1"/>
+          </a:effectRef>
+          <a:fontRef idx="minor">
+            <a:schemeClr val="tx1"/>
+          </a:fontRef>
+        </p:style>
+      </p:cxnSp>
+      <p:cxnSp>
+        <p:nvCxnSpPr>
+          <p:cNvPr id="44" name="Straight Arrow Connector 43"/>
+          <p:cNvCxnSpPr/>
+          <p:nvPr/>
+        </p:nvCxnSpPr>
+        <p:spPr>
+          <a:xfrm>
+            <a:off x="4098470" y="5345593"/>
+            <a:ext cx="0" cy="415142"/>
+          </a:xfrm>
+          <a:prstGeom prst="straightConnector1">
+            <a:avLst/>
+          </a:prstGeom>
+          <a:ln>
+            <a:tailEnd type="arrow"/>
+          </a:ln>
+        </p:spPr>
+        <p:style>
+          <a:lnRef idx="1">
+            <a:schemeClr val="accent1"/>
+          </a:lnRef>
+          <a:fillRef idx="0">
+            <a:schemeClr val="accent1"/>
+          </a:fillRef>
+          <a:effectRef idx="0">
+            <a:schemeClr val="accent1"/>
+          </a:effectRef>
+          <a:fontRef idx="minor">
+            <a:schemeClr val="tx1"/>
+          </a:fontRef>
+        </p:style>
+      </p:cxnSp>
+      <p:sp>
+        <p:nvSpPr>
+          <p:cNvPr id="47" name="Rectangle 46"/>
+          <p:cNvSpPr/>
+          <p:nvPr/>
+        </p:nvSpPr>
+        <p:spPr>
+          <a:xfrm>
+            <a:off x="1485900" y="5760736"/>
+            <a:ext cx="5715000" cy="1200329"/>
+          </a:xfrm>
+          <a:prstGeom prst="rect">
+            <a:avLst/>
+          </a:prstGeom>
+        </p:spPr>
+        <p:txBody>
+          <a:bodyPr wrap="square">
+            <a:spAutoFit/>
+          </a:bodyPr>
+          <a:lstStyle/>
+          <a:p>
+            <a:pPr algn="ctr"/>
+            <a:r>
+              <a:rPr lang="en-US" dirty="0" err="1"/>
+              <a:t>cycle_sequence_callback</a:t>
+            </a:r>
+            <a:r>
+              <a:rPr lang="en-US" dirty="0"/>
+              <a:t>(obj,event,curcycle,endcycle,fhandle,waittime,targettime,newcycle)</a:t>
+            </a:r>
+          </a:p>
+          <a:p>
+            <a:pPr algn="ctr"/>
+            <a:r>
+              <a:rPr lang="en-US" dirty="0"/>
+              <a:t>(not sure why this also needs to exist, but runs sequence given by </a:t>
+            </a:r>
+            <a:r>
+              <a:rPr lang="en-US" dirty="0" err="1"/>
+              <a:t>fhandle</a:t>
+            </a:r>
+            <a:r>
+              <a:rPr lang="en-US" dirty="0"/>
+              <a:t>)</a:t>
+            </a:r>
+          </a:p>
+        </p:txBody>
+      </p:sp>
+      <p:sp>
+        <p:nvSpPr>
+          <p:cNvPr id="2" name="Freeform: Shape 1">
+            <a:extLst>
+              <a:ext uri="{FF2B5EF4-FFF2-40B4-BE49-F238E27FC236}">
+                <a16:creationId xmlns:a16="http://schemas.microsoft.com/office/drawing/2014/main" id="{0430E405-1E90-4EDF-8CE9-03039DFCB02E}"/>
+              </a:ext>
+            </a:extLst>
+          </p:cNvPr>
+          <p:cNvSpPr/>
+          <p:nvPr/>
+        </p:nvSpPr>
+        <p:spPr>
+          <a:xfrm>
+            <a:off x="774663" y="-1231900"/>
+            <a:ext cx="14211337" cy="8882819"/>
+          </a:xfrm>
+          <a:custGeom>
+            <a:avLst/>
+            <a:gdLst>
+              <a:gd name="connsiteX0" fmla="*/ 4851437 w 14211337"/>
+              <a:gd name="connsiteY0" fmla="*/ 8191500 h 8882819"/>
+              <a:gd name="connsiteX1" fmla="*/ 4851437 w 14211337"/>
+              <a:gd name="connsiteY1" fmla="*/ 8191500 h 8882819"/>
+              <a:gd name="connsiteX2" fmla="*/ 4711737 w 14211337"/>
+              <a:gd name="connsiteY2" fmla="*/ 8318500 h 8882819"/>
+              <a:gd name="connsiteX3" fmla="*/ 4648237 w 14211337"/>
+              <a:gd name="connsiteY3" fmla="*/ 8343900 h 8882819"/>
+              <a:gd name="connsiteX4" fmla="*/ 4572037 w 14211337"/>
+              <a:gd name="connsiteY4" fmla="*/ 8356600 h 8882819"/>
+              <a:gd name="connsiteX5" fmla="*/ 4406937 w 14211337"/>
+              <a:gd name="connsiteY5" fmla="*/ 8407400 h 8882819"/>
+              <a:gd name="connsiteX6" fmla="*/ 4254537 w 14211337"/>
+              <a:gd name="connsiteY6" fmla="*/ 8470900 h 8882819"/>
+              <a:gd name="connsiteX7" fmla="*/ 4127537 w 14211337"/>
+              <a:gd name="connsiteY7" fmla="*/ 8521700 h 8882819"/>
+              <a:gd name="connsiteX8" fmla="*/ 4025937 w 14211337"/>
+              <a:gd name="connsiteY8" fmla="*/ 8534400 h 8882819"/>
+              <a:gd name="connsiteX9" fmla="*/ 3733837 w 14211337"/>
+              <a:gd name="connsiteY9" fmla="*/ 8585200 h 8882819"/>
+              <a:gd name="connsiteX10" fmla="*/ 2654337 w 14211337"/>
+              <a:gd name="connsiteY10" fmla="*/ 8572500 h 8882819"/>
+              <a:gd name="connsiteX11" fmla="*/ 2413037 w 14211337"/>
+              <a:gd name="connsiteY11" fmla="*/ 8509000 h 8882819"/>
+              <a:gd name="connsiteX12" fmla="*/ 2171737 w 14211337"/>
+              <a:gd name="connsiteY12" fmla="*/ 8445500 h 8882819"/>
+              <a:gd name="connsiteX13" fmla="*/ 2120937 w 14211337"/>
+              <a:gd name="connsiteY13" fmla="*/ 8420100 h 8882819"/>
+              <a:gd name="connsiteX14" fmla="*/ 1993937 w 14211337"/>
+              <a:gd name="connsiteY14" fmla="*/ 8369300 h 8882819"/>
+              <a:gd name="connsiteX15" fmla="*/ 1841537 w 14211337"/>
+              <a:gd name="connsiteY15" fmla="*/ 8331200 h 8882819"/>
+              <a:gd name="connsiteX16" fmla="*/ 1663737 w 14211337"/>
+              <a:gd name="connsiteY16" fmla="*/ 8293100 h 8882819"/>
+              <a:gd name="connsiteX17" fmla="*/ 1473237 w 14211337"/>
+              <a:gd name="connsiteY17" fmla="*/ 8242300 h 8882819"/>
+              <a:gd name="connsiteX18" fmla="*/ 1384337 w 14211337"/>
+              <a:gd name="connsiteY18" fmla="*/ 8216900 h 8882819"/>
+              <a:gd name="connsiteX19" fmla="*/ 1270037 w 14211337"/>
+              <a:gd name="connsiteY19" fmla="*/ 8204200 h 8882819"/>
+              <a:gd name="connsiteX20" fmla="*/ 1041437 w 14211337"/>
+              <a:gd name="connsiteY20" fmla="*/ 8153400 h 8882819"/>
+              <a:gd name="connsiteX21" fmla="*/ 965237 w 14211337"/>
+              <a:gd name="connsiteY21" fmla="*/ 8140700 h 8882819"/>
+              <a:gd name="connsiteX22" fmla="*/ 901737 w 14211337"/>
+              <a:gd name="connsiteY22" fmla="*/ 8115300 h 8882819"/>
+              <a:gd name="connsiteX23" fmla="*/ 685837 w 14211337"/>
+              <a:gd name="connsiteY23" fmla="*/ 8077200 h 8882819"/>
+              <a:gd name="connsiteX24" fmla="*/ 533437 w 14211337"/>
+              <a:gd name="connsiteY24" fmla="*/ 8026400 h 8882819"/>
+              <a:gd name="connsiteX25" fmla="*/ 495337 w 14211337"/>
+              <a:gd name="connsiteY25" fmla="*/ 8001000 h 8882819"/>
+              <a:gd name="connsiteX26" fmla="*/ 381037 w 14211337"/>
+              <a:gd name="connsiteY26" fmla="*/ 7988300 h 8882819"/>
+              <a:gd name="connsiteX27" fmla="*/ 317537 w 14211337"/>
+              <a:gd name="connsiteY27" fmla="*/ 7924800 h 8882819"/>
+              <a:gd name="connsiteX28" fmla="*/ 279437 w 14211337"/>
+              <a:gd name="connsiteY28" fmla="*/ 7874000 h 8882819"/>
+              <a:gd name="connsiteX29" fmla="*/ 190537 w 14211337"/>
+              <a:gd name="connsiteY29" fmla="*/ 7785100 h 8882819"/>
+              <a:gd name="connsiteX30" fmla="*/ 165137 w 14211337"/>
+              <a:gd name="connsiteY30" fmla="*/ 7747000 h 8882819"/>
+              <a:gd name="connsiteX31" fmla="*/ 127037 w 14211337"/>
+              <a:gd name="connsiteY31" fmla="*/ 7658100 h 8882819"/>
+              <a:gd name="connsiteX32" fmla="*/ 101637 w 14211337"/>
+              <a:gd name="connsiteY32" fmla="*/ 7620000 h 8882819"/>
+              <a:gd name="connsiteX33" fmla="*/ 63537 w 14211337"/>
+              <a:gd name="connsiteY33" fmla="*/ 7531100 h 8882819"/>
+              <a:gd name="connsiteX34" fmla="*/ 12737 w 14211337"/>
+              <a:gd name="connsiteY34" fmla="*/ 7340600 h 8882819"/>
+              <a:gd name="connsiteX35" fmla="*/ 37 w 14211337"/>
+              <a:gd name="connsiteY35" fmla="*/ 7251700 h 8882819"/>
+              <a:gd name="connsiteX36" fmla="*/ 25437 w 14211337"/>
+              <a:gd name="connsiteY36" fmla="*/ 6794500 h 8882819"/>
+              <a:gd name="connsiteX37" fmla="*/ 50837 w 14211337"/>
+              <a:gd name="connsiteY37" fmla="*/ 6743700 h 8882819"/>
+              <a:gd name="connsiteX38" fmla="*/ 63537 w 14211337"/>
+              <a:gd name="connsiteY38" fmla="*/ 6705600 h 8882819"/>
+              <a:gd name="connsiteX39" fmla="*/ 114337 w 14211337"/>
+              <a:gd name="connsiteY39" fmla="*/ 6591300 h 8882819"/>
+              <a:gd name="connsiteX40" fmla="*/ 177837 w 14211337"/>
+              <a:gd name="connsiteY40" fmla="*/ 6515100 h 8882819"/>
+              <a:gd name="connsiteX41" fmla="*/ 203237 w 14211337"/>
+              <a:gd name="connsiteY41" fmla="*/ 6464300 h 8882819"/>
+              <a:gd name="connsiteX42" fmla="*/ 215937 w 14211337"/>
+              <a:gd name="connsiteY42" fmla="*/ 6426200 h 8882819"/>
+              <a:gd name="connsiteX43" fmla="*/ 266737 w 14211337"/>
+              <a:gd name="connsiteY43" fmla="*/ 6375400 h 8882819"/>
+              <a:gd name="connsiteX44" fmla="*/ 304837 w 14211337"/>
+              <a:gd name="connsiteY44" fmla="*/ 6362700 h 8882819"/>
+              <a:gd name="connsiteX45" fmla="*/ 330237 w 14211337"/>
+              <a:gd name="connsiteY45" fmla="*/ 6311900 h 8882819"/>
+              <a:gd name="connsiteX46" fmla="*/ 419137 w 14211337"/>
+              <a:gd name="connsiteY46" fmla="*/ 6223000 h 8882819"/>
+              <a:gd name="connsiteX47" fmla="*/ 482637 w 14211337"/>
+              <a:gd name="connsiteY47" fmla="*/ 6146800 h 8882819"/>
+              <a:gd name="connsiteX48" fmla="*/ 571537 w 14211337"/>
+              <a:gd name="connsiteY48" fmla="*/ 6057900 h 8882819"/>
+              <a:gd name="connsiteX49" fmla="*/ 635037 w 14211337"/>
+              <a:gd name="connsiteY49" fmla="*/ 5969000 h 8882819"/>
+              <a:gd name="connsiteX50" fmla="*/ 698537 w 14211337"/>
+              <a:gd name="connsiteY50" fmla="*/ 5905500 h 8882819"/>
+              <a:gd name="connsiteX51" fmla="*/ 723937 w 14211337"/>
+              <a:gd name="connsiteY51" fmla="*/ 5854700 h 8882819"/>
+              <a:gd name="connsiteX52" fmla="*/ 736637 w 14211337"/>
+              <a:gd name="connsiteY52" fmla="*/ 5816600 h 8882819"/>
+              <a:gd name="connsiteX53" fmla="*/ 787437 w 14211337"/>
+              <a:gd name="connsiteY53" fmla="*/ 5791200 h 8882819"/>
+              <a:gd name="connsiteX54" fmla="*/ 825537 w 14211337"/>
+              <a:gd name="connsiteY54" fmla="*/ 5715000 h 8882819"/>
+              <a:gd name="connsiteX55" fmla="*/ 876337 w 14211337"/>
+              <a:gd name="connsiteY55" fmla="*/ 5689600 h 8882819"/>
+              <a:gd name="connsiteX56" fmla="*/ 914437 w 14211337"/>
+              <a:gd name="connsiteY56" fmla="*/ 5638800 h 8882819"/>
+              <a:gd name="connsiteX57" fmla="*/ 977937 w 14211337"/>
+              <a:gd name="connsiteY57" fmla="*/ 5575300 h 8882819"/>
+              <a:gd name="connsiteX58" fmla="*/ 1028737 w 14211337"/>
+              <a:gd name="connsiteY58" fmla="*/ 5562600 h 8882819"/>
+              <a:gd name="connsiteX59" fmla="*/ 1193837 w 14211337"/>
+              <a:gd name="connsiteY59" fmla="*/ 5511800 h 8882819"/>
+              <a:gd name="connsiteX60" fmla="*/ 1409737 w 14211337"/>
+              <a:gd name="connsiteY60" fmla="*/ 5473700 h 8882819"/>
+              <a:gd name="connsiteX61" fmla="*/ 2425737 w 14211337"/>
+              <a:gd name="connsiteY61" fmla="*/ 5448300 h 8882819"/>
+              <a:gd name="connsiteX62" fmla="*/ 2667037 w 14211337"/>
+              <a:gd name="connsiteY62" fmla="*/ 5422900 h 8882819"/>
+              <a:gd name="connsiteX63" fmla="*/ 2730537 w 14211337"/>
+              <a:gd name="connsiteY63" fmla="*/ 5410200 h 8882819"/>
+              <a:gd name="connsiteX64" fmla="*/ 2844837 w 14211337"/>
+              <a:gd name="connsiteY64" fmla="*/ 5384800 h 8882819"/>
+              <a:gd name="connsiteX65" fmla="*/ 3022637 w 14211337"/>
+              <a:gd name="connsiteY65" fmla="*/ 5359400 h 8882819"/>
+              <a:gd name="connsiteX66" fmla="*/ 3060737 w 14211337"/>
+              <a:gd name="connsiteY66" fmla="*/ 5346700 h 8882819"/>
+              <a:gd name="connsiteX67" fmla="*/ 3149637 w 14211337"/>
+              <a:gd name="connsiteY67" fmla="*/ 5321300 h 8882819"/>
+              <a:gd name="connsiteX68" fmla="*/ 3187737 w 14211337"/>
+              <a:gd name="connsiteY68" fmla="*/ 5295900 h 8882819"/>
+              <a:gd name="connsiteX69" fmla="*/ 3276637 w 14211337"/>
+              <a:gd name="connsiteY69" fmla="*/ 5257800 h 8882819"/>
+              <a:gd name="connsiteX70" fmla="*/ 3302037 w 14211337"/>
+              <a:gd name="connsiteY70" fmla="*/ 5207000 h 8882819"/>
+              <a:gd name="connsiteX71" fmla="*/ 3365537 w 14211337"/>
+              <a:gd name="connsiteY71" fmla="*/ 5194300 h 8882819"/>
+              <a:gd name="connsiteX72" fmla="*/ 3403637 w 14211337"/>
+              <a:gd name="connsiteY72" fmla="*/ 5168900 h 8882819"/>
+              <a:gd name="connsiteX73" fmla="*/ 3492537 w 14211337"/>
+              <a:gd name="connsiteY73" fmla="*/ 5118100 h 8882819"/>
+              <a:gd name="connsiteX74" fmla="*/ 3556037 w 14211337"/>
+              <a:gd name="connsiteY74" fmla="*/ 5041900 h 8882819"/>
+              <a:gd name="connsiteX75" fmla="*/ 3606837 w 14211337"/>
+              <a:gd name="connsiteY75" fmla="*/ 5016500 h 8882819"/>
+              <a:gd name="connsiteX76" fmla="*/ 3644937 w 14211337"/>
+              <a:gd name="connsiteY76" fmla="*/ 4965700 h 8882819"/>
+              <a:gd name="connsiteX77" fmla="*/ 3683037 w 14211337"/>
+              <a:gd name="connsiteY77" fmla="*/ 4953000 h 8882819"/>
+              <a:gd name="connsiteX78" fmla="*/ 3733837 w 14211337"/>
+              <a:gd name="connsiteY78" fmla="*/ 4927600 h 8882819"/>
+              <a:gd name="connsiteX79" fmla="*/ 3797337 w 14211337"/>
+              <a:gd name="connsiteY79" fmla="*/ 4864100 h 8882819"/>
+              <a:gd name="connsiteX80" fmla="*/ 3822737 w 14211337"/>
+              <a:gd name="connsiteY80" fmla="*/ 4826000 h 8882819"/>
+              <a:gd name="connsiteX81" fmla="*/ 3886237 w 14211337"/>
+              <a:gd name="connsiteY81" fmla="*/ 4749800 h 8882819"/>
+              <a:gd name="connsiteX82" fmla="*/ 3911637 w 14211337"/>
+              <a:gd name="connsiteY82" fmla="*/ 4711700 h 8882819"/>
+              <a:gd name="connsiteX83" fmla="*/ 3924337 w 14211337"/>
+              <a:gd name="connsiteY83" fmla="*/ 4673600 h 8882819"/>
+              <a:gd name="connsiteX84" fmla="*/ 3975137 w 14211337"/>
+              <a:gd name="connsiteY84" fmla="*/ 4648200 h 8882819"/>
+              <a:gd name="connsiteX85" fmla="*/ 3987837 w 14211337"/>
+              <a:gd name="connsiteY85" fmla="*/ 4597400 h 8882819"/>
+              <a:gd name="connsiteX86" fmla="*/ 4038637 w 14211337"/>
+              <a:gd name="connsiteY86" fmla="*/ 4521200 h 8882819"/>
+              <a:gd name="connsiteX87" fmla="*/ 4025937 w 14211337"/>
+              <a:gd name="connsiteY87" fmla="*/ 4127500 h 8882819"/>
+              <a:gd name="connsiteX88" fmla="*/ 4000537 w 14211337"/>
+              <a:gd name="connsiteY88" fmla="*/ 4089400 h 8882819"/>
+              <a:gd name="connsiteX89" fmla="*/ 3987837 w 14211337"/>
+              <a:gd name="connsiteY89" fmla="*/ 4038600 h 8882819"/>
+              <a:gd name="connsiteX90" fmla="*/ 3924337 w 14211337"/>
+              <a:gd name="connsiteY90" fmla="*/ 3949700 h 8882819"/>
+              <a:gd name="connsiteX91" fmla="*/ 3898937 w 14211337"/>
+              <a:gd name="connsiteY91" fmla="*/ 3911600 h 8882819"/>
+              <a:gd name="connsiteX92" fmla="*/ 3810037 w 14211337"/>
+              <a:gd name="connsiteY92" fmla="*/ 3822700 h 8882819"/>
+              <a:gd name="connsiteX93" fmla="*/ 3746537 w 14211337"/>
+              <a:gd name="connsiteY93" fmla="*/ 3733800 h 8882819"/>
+              <a:gd name="connsiteX94" fmla="*/ 3695737 w 14211337"/>
+              <a:gd name="connsiteY94" fmla="*/ 3721100 h 8882819"/>
+              <a:gd name="connsiteX95" fmla="*/ 3657637 w 14211337"/>
+              <a:gd name="connsiteY95" fmla="*/ 3695700 h 8882819"/>
+              <a:gd name="connsiteX96" fmla="*/ 3619537 w 14211337"/>
+              <a:gd name="connsiteY96" fmla="*/ 3644900 h 8882819"/>
+              <a:gd name="connsiteX97" fmla="*/ 3403637 w 14211337"/>
+              <a:gd name="connsiteY97" fmla="*/ 3632200 h 8882819"/>
+              <a:gd name="connsiteX98" fmla="*/ 3314737 w 14211337"/>
+              <a:gd name="connsiteY98" fmla="*/ 3606800 h 8882819"/>
+              <a:gd name="connsiteX99" fmla="*/ 3263937 w 14211337"/>
+              <a:gd name="connsiteY99" fmla="*/ 3581400 h 8882819"/>
+              <a:gd name="connsiteX100" fmla="*/ 3187737 w 14211337"/>
+              <a:gd name="connsiteY100" fmla="*/ 3568700 h 8882819"/>
+              <a:gd name="connsiteX101" fmla="*/ 3048037 w 14211337"/>
+              <a:gd name="connsiteY101" fmla="*/ 3517900 h 8882819"/>
+              <a:gd name="connsiteX102" fmla="*/ 2984537 w 14211337"/>
+              <a:gd name="connsiteY102" fmla="*/ 3492500 h 8882819"/>
+              <a:gd name="connsiteX103" fmla="*/ 2921037 w 14211337"/>
+              <a:gd name="connsiteY103" fmla="*/ 3479800 h 8882819"/>
+              <a:gd name="connsiteX104" fmla="*/ 2832137 w 14211337"/>
+              <a:gd name="connsiteY104" fmla="*/ 3454400 h 8882819"/>
+              <a:gd name="connsiteX105" fmla="*/ 2679737 w 14211337"/>
+              <a:gd name="connsiteY105" fmla="*/ 3416300 h 8882819"/>
+              <a:gd name="connsiteX106" fmla="*/ 2578137 w 14211337"/>
+              <a:gd name="connsiteY106" fmla="*/ 3365500 h 8882819"/>
+              <a:gd name="connsiteX107" fmla="*/ 2527337 w 14211337"/>
+              <a:gd name="connsiteY107" fmla="*/ 3340100 h 8882819"/>
+              <a:gd name="connsiteX108" fmla="*/ 2463837 w 14211337"/>
+              <a:gd name="connsiteY108" fmla="*/ 3327400 h 8882819"/>
+              <a:gd name="connsiteX109" fmla="*/ 2374937 w 14211337"/>
+              <a:gd name="connsiteY109" fmla="*/ 3302000 h 8882819"/>
+              <a:gd name="connsiteX110" fmla="*/ 2311437 w 14211337"/>
+              <a:gd name="connsiteY110" fmla="*/ 3276600 h 8882819"/>
+              <a:gd name="connsiteX111" fmla="*/ 2273337 w 14211337"/>
+              <a:gd name="connsiteY111" fmla="*/ 3263900 h 8882819"/>
+              <a:gd name="connsiteX112" fmla="*/ 2222537 w 14211337"/>
+              <a:gd name="connsiteY112" fmla="*/ 3238500 h 8882819"/>
+              <a:gd name="connsiteX113" fmla="*/ 2184437 w 14211337"/>
+              <a:gd name="connsiteY113" fmla="*/ 3213100 h 8882819"/>
+              <a:gd name="connsiteX114" fmla="*/ 2133637 w 14211337"/>
+              <a:gd name="connsiteY114" fmla="*/ 3200400 h 8882819"/>
+              <a:gd name="connsiteX115" fmla="*/ 2095537 w 14211337"/>
+              <a:gd name="connsiteY115" fmla="*/ 3175000 h 8882819"/>
+              <a:gd name="connsiteX116" fmla="*/ 2057437 w 14211337"/>
+              <a:gd name="connsiteY116" fmla="*/ 3124200 h 8882819"/>
+              <a:gd name="connsiteX117" fmla="*/ 2006637 w 14211337"/>
+              <a:gd name="connsiteY117" fmla="*/ 3111500 h 8882819"/>
+              <a:gd name="connsiteX118" fmla="*/ 1968537 w 14211337"/>
+              <a:gd name="connsiteY118" fmla="*/ 3060700 h 8882819"/>
+              <a:gd name="connsiteX119" fmla="*/ 1943137 w 14211337"/>
+              <a:gd name="connsiteY119" fmla="*/ 3022600 h 8882819"/>
+              <a:gd name="connsiteX120" fmla="*/ 1917737 w 14211337"/>
+              <a:gd name="connsiteY120" fmla="*/ 2806700 h 8882819"/>
+              <a:gd name="connsiteX121" fmla="*/ 1892337 w 14211337"/>
+              <a:gd name="connsiteY121" fmla="*/ 2679700 h 8882819"/>
+              <a:gd name="connsiteX122" fmla="*/ 1905037 w 14211337"/>
+              <a:gd name="connsiteY122" fmla="*/ 1866900 h 8882819"/>
+              <a:gd name="connsiteX123" fmla="*/ 1930437 w 14211337"/>
+              <a:gd name="connsiteY123" fmla="*/ 1765300 h 8882819"/>
+              <a:gd name="connsiteX124" fmla="*/ 1955837 w 14211337"/>
+              <a:gd name="connsiteY124" fmla="*/ 1651000 h 8882819"/>
+              <a:gd name="connsiteX125" fmla="*/ 2019337 w 14211337"/>
+              <a:gd name="connsiteY125" fmla="*/ 1460500 h 8882819"/>
+              <a:gd name="connsiteX126" fmla="*/ 2044737 w 14211337"/>
+              <a:gd name="connsiteY126" fmla="*/ 1397000 h 8882819"/>
+              <a:gd name="connsiteX127" fmla="*/ 2082837 w 14211337"/>
+              <a:gd name="connsiteY127" fmla="*/ 1282700 h 8882819"/>
+              <a:gd name="connsiteX128" fmla="*/ 2108237 w 14211337"/>
+              <a:gd name="connsiteY128" fmla="*/ 1244600 h 8882819"/>
+              <a:gd name="connsiteX129" fmla="*/ 2197137 w 14211337"/>
+              <a:gd name="connsiteY129" fmla="*/ 1104900 h 8882819"/>
+              <a:gd name="connsiteX130" fmla="*/ 2235237 w 14211337"/>
+              <a:gd name="connsiteY130" fmla="*/ 990600 h 8882819"/>
+              <a:gd name="connsiteX131" fmla="*/ 2413037 w 14211337"/>
+              <a:gd name="connsiteY131" fmla="*/ 800100 h 8882819"/>
+              <a:gd name="connsiteX132" fmla="*/ 2451137 w 14211337"/>
+              <a:gd name="connsiteY132" fmla="*/ 736600 h 8882819"/>
+              <a:gd name="connsiteX133" fmla="*/ 2679737 w 14211337"/>
+              <a:gd name="connsiteY133" fmla="*/ 558800 h 8882819"/>
+              <a:gd name="connsiteX134" fmla="*/ 2844837 w 14211337"/>
+              <a:gd name="connsiteY134" fmla="*/ 482600 h 8882819"/>
+              <a:gd name="connsiteX135" fmla="*/ 2895637 w 14211337"/>
+              <a:gd name="connsiteY135" fmla="*/ 457200 h 8882819"/>
+              <a:gd name="connsiteX136" fmla="*/ 2933737 w 14211337"/>
+              <a:gd name="connsiteY136" fmla="*/ 431800 h 8882819"/>
+              <a:gd name="connsiteX137" fmla="*/ 3048037 w 14211337"/>
+              <a:gd name="connsiteY137" fmla="*/ 393700 h 8882819"/>
+              <a:gd name="connsiteX138" fmla="*/ 3289337 w 14211337"/>
+              <a:gd name="connsiteY138" fmla="*/ 342900 h 8882819"/>
+              <a:gd name="connsiteX139" fmla="*/ 3556037 w 14211337"/>
+              <a:gd name="connsiteY139" fmla="*/ 304800 h 8882819"/>
+              <a:gd name="connsiteX140" fmla="*/ 3733837 w 14211337"/>
+              <a:gd name="connsiteY140" fmla="*/ 254000 h 8882819"/>
+              <a:gd name="connsiteX141" fmla="*/ 4013237 w 14211337"/>
+              <a:gd name="connsiteY141" fmla="*/ 203200 h 8882819"/>
+              <a:gd name="connsiteX142" fmla="*/ 4165637 w 14211337"/>
+              <a:gd name="connsiteY142" fmla="*/ 177800 h 8882819"/>
+              <a:gd name="connsiteX143" fmla="*/ 4305337 w 14211337"/>
+              <a:gd name="connsiteY143" fmla="*/ 152400 h 8882819"/>
+              <a:gd name="connsiteX144" fmla="*/ 4572037 w 14211337"/>
+              <a:gd name="connsiteY144" fmla="*/ 139700 h 8882819"/>
+              <a:gd name="connsiteX145" fmla="*/ 5219737 w 14211337"/>
+              <a:gd name="connsiteY145" fmla="*/ 88900 h 8882819"/>
+              <a:gd name="connsiteX146" fmla="*/ 5359437 w 14211337"/>
+              <a:gd name="connsiteY146" fmla="*/ 63500 h 8882819"/>
+              <a:gd name="connsiteX147" fmla="*/ 5842037 w 14211337"/>
+              <a:gd name="connsiteY147" fmla="*/ 50800 h 8882819"/>
+              <a:gd name="connsiteX148" fmla="*/ 6261137 w 14211337"/>
+              <a:gd name="connsiteY148" fmla="*/ 25400 h 8882819"/>
+              <a:gd name="connsiteX149" fmla="*/ 6527837 w 14211337"/>
+              <a:gd name="connsiteY149" fmla="*/ 0 h 8882819"/>
+              <a:gd name="connsiteX150" fmla="*/ 10096537 w 14211337"/>
+              <a:gd name="connsiteY150" fmla="*/ 12700 h 8882819"/>
+              <a:gd name="connsiteX151" fmla="*/ 10325137 w 14211337"/>
+              <a:gd name="connsiteY151" fmla="*/ 63500 h 8882819"/>
+              <a:gd name="connsiteX152" fmla="*/ 10528337 w 14211337"/>
+              <a:gd name="connsiteY152" fmla="*/ 114300 h 8882819"/>
+              <a:gd name="connsiteX153" fmla="*/ 11099837 w 14211337"/>
+              <a:gd name="connsiteY153" fmla="*/ 139700 h 8882819"/>
+              <a:gd name="connsiteX154" fmla="*/ 11353837 w 14211337"/>
+              <a:gd name="connsiteY154" fmla="*/ 152400 h 8882819"/>
+              <a:gd name="connsiteX155" fmla="*/ 11925337 w 14211337"/>
+              <a:gd name="connsiteY155" fmla="*/ 241300 h 8882819"/>
+              <a:gd name="connsiteX156" fmla="*/ 12268237 w 14211337"/>
+              <a:gd name="connsiteY156" fmla="*/ 292100 h 8882819"/>
+              <a:gd name="connsiteX157" fmla="*/ 12509537 w 14211337"/>
+              <a:gd name="connsiteY157" fmla="*/ 330200 h 8882819"/>
+              <a:gd name="connsiteX158" fmla="*/ 12623837 w 14211337"/>
+              <a:gd name="connsiteY158" fmla="*/ 381000 h 8882819"/>
+              <a:gd name="connsiteX159" fmla="*/ 12712737 w 14211337"/>
+              <a:gd name="connsiteY159" fmla="*/ 393700 h 8882819"/>
+              <a:gd name="connsiteX160" fmla="*/ 13042937 w 14211337"/>
+              <a:gd name="connsiteY160" fmla="*/ 508000 h 8882819"/>
+              <a:gd name="connsiteX161" fmla="*/ 13208037 w 14211337"/>
+              <a:gd name="connsiteY161" fmla="*/ 584200 h 8882819"/>
+              <a:gd name="connsiteX162" fmla="*/ 13411237 w 14211337"/>
+              <a:gd name="connsiteY162" fmla="*/ 622300 h 8882819"/>
+              <a:gd name="connsiteX163" fmla="*/ 13728737 w 14211337"/>
+              <a:gd name="connsiteY163" fmla="*/ 749300 h 8882819"/>
+              <a:gd name="connsiteX164" fmla="*/ 13855737 w 14211337"/>
+              <a:gd name="connsiteY164" fmla="*/ 812800 h 8882819"/>
+              <a:gd name="connsiteX165" fmla="*/ 13944637 w 14211337"/>
+              <a:gd name="connsiteY165" fmla="*/ 901700 h 8882819"/>
+              <a:gd name="connsiteX166" fmla="*/ 13970037 w 14211337"/>
+              <a:gd name="connsiteY166" fmla="*/ 1016000 h 8882819"/>
+              <a:gd name="connsiteX167" fmla="*/ 14008137 w 14211337"/>
+              <a:gd name="connsiteY167" fmla="*/ 1079500 h 8882819"/>
+              <a:gd name="connsiteX168" fmla="*/ 14033537 w 14211337"/>
+              <a:gd name="connsiteY168" fmla="*/ 1168400 h 8882819"/>
+              <a:gd name="connsiteX169" fmla="*/ 14084337 w 14211337"/>
+              <a:gd name="connsiteY169" fmla="*/ 1574800 h 8882819"/>
+              <a:gd name="connsiteX170" fmla="*/ 14122437 w 14211337"/>
+              <a:gd name="connsiteY170" fmla="*/ 1879600 h 8882819"/>
+              <a:gd name="connsiteX171" fmla="*/ 14211337 w 14211337"/>
+              <a:gd name="connsiteY171" fmla="*/ 2324100 h 8882819"/>
+              <a:gd name="connsiteX172" fmla="*/ 14185937 w 14211337"/>
+              <a:gd name="connsiteY172" fmla="*/ 3517900 h 8882819"/>
+              <a:gd name="connsiteX173" fmla="*/ 14160537 w 14211337"/>
+              <a:gd name="connsiteY173" fmla="*/ 3568700 h 8882819"/>
+              <a:gd name="connsiteX174" fmla="*/ 14097037 w 14211337"/>
+              <a:gd name="connsiteY174" fmla="*/ 3784600 h 8882819"/>
+              <a:gd name="connsiteX175" fmla="*/ 14071637 w 14211337"/>
+              <a:gd name="connsiteY175" fmla="*/ 3962400 h 8882819"/>
+              <a:gd name="connsiteX176" fmla="*/ 14033537 w 14211337"/>
+              <a:gd name="connsiteY176" fmla="*/ 4038600 h 8882819"/>
+              <a:gd name="connsiteX177" fmla="*/ 13982737 w 14211337"/>
+              <a:gd name="connsiteY177" fmla="*/ 4191000 h 8882819"/>
+              <a:gd name="connsiteX178" fmla="*/ 13843037 w 14211337"/>
+              <a:gd name="connsiteY178" fmla="*/ 4470400 h 8882819"/>
+              <a:gd name="connsiteX179" fmla="*/ 13741437 w 14211337"/>
+              <a:gd name="connsiteY179" fmla="*/ 4673600 h 8882819"/>
+              <a:gd name="connsiteX180" fmla="*/ 13716037 w 14211337"/>
+              <a:gd name="connsiteY180" fmla="*/ 4724400 h 8882819"/>
+              <a:gd name="connsiteX181" fmla="*/ 13665237 w 14211337"/>
+              <a:gd name="connsiteY181" fmla="*/ 4851400 h 8882819"/>
+              <a:gd name="connsiteX182" fmla="*/ 13538237 w 14211337"/>
+              <a:gd name="connsiteY182" fmla="*/ 5092700 h 8882819"/>
+              <a:gd name="connsiteX183" fmla="*/ 13423937 w 14211337"/>
+              <a:gd name="connsiteY183" fmla="*/ 5270500 h 8882819"/>
+              <a:gd name="connsiteX184" fmla="*/ 13360437 w 14211337"/>
+              <a:gd name="connsiteY184" fmla="*/ 5359400 h 8882819"/>
+              <a:gd name="connsiteX185" fmla="*/ 13131837 w 14211337"/>
+              <a:gd name="connsiteY185" fmla="*/ 5676900 h 8882819"/>
+              <a:gd name="connsiteX186" fmla="*/ 13004837 w 14211337"/>
+              <a:gd name="connsiteY186" fmla="*/ 5816600 h 8882819"/>
+              <a:gd name="connsiteX187" fmla="*/ 12890537 w 14211337"/>
+              <a:gd name="connsiteY187" fmla="*/ 5994400 h 8882819"/>
+              <a:gd name="connsiteX188" fmla="*/ 12852437 w 14211337"/>
+              <a:gd name="connsiteY188" fmla="*/ 6083300 h 8882819"/>
+              <a:gd name="connsiteX189" fmla="*/ 12788937 w 14211337"/>
+              <a:gd name="connsiteY189" fmla="*/ 6159500 h 8882819"/>
+              <a:gd name="connsiteX190" fmla="*/ 12738137 w 14211337"/>
+              <a:gd name="connsiteY190" fmla="*/ 6248400 h 8882819"/>
+              <a:gd name="connsiteX191" fmla="*/ 12573037 w 14211337"/>
+              <a:gd name="connsiteY191" fmla="*/ 6451600 h 8882819"/>
+              <a:gd name="connsiteX192" fmla="*/ 12547637 w 14211337"/>
+              <a:gd name="connsiteY192" fmla="*/ 6502400 h 8882819"/>
+              <a:gd name="connsiteX193" fmla="*/ 12484137 w 14211337"/>
+              <a:gd name="connsiteY193" fmla="*/ 6565900 h 8882819"/>
+              <a:gd name="connsiteX194" fmla="*/ 12395237 w 14211337"/>
+              <a:gd name="connsiteY194" fmla="*/ 6667500 h 8882819"/>
+              <a:gd name="connsiteX195" fmla="*/ 12280937 w 14211337"/>
+              <a:gd name="connsiteY195" fmla="*/ 6781800 h 8882819"/>
+              <a:gd name="connsiteX196" fmla="*/ 12052337 w 14211337"/>
+              <a:gd name="connsiteY196" fmla="*/ 7035800 h 8882819"/>
+              <a:gd name="connsiteX197" fmla="*/ 11912637 w 14211337"/>
+              <a:gd name="connsiteY197" fmla="*/ 7175500 h 8882819"/>
+              <a:gd name="connsiteX198" fmla="*/ 11887237 w 14211337"/>
+              <a:gd name="connsiteY198" fmla="*/ 7226300 h 8882819"/>
+              <a:gd name="connsiteX199" fmla="*/ 11811037 w 14211337"/>
+              <a:gd name="connsiteY199" fmla="*/ 7264400 h 8882819"/>
+              <a:gd name="connsiteX200" fmla="*/ 11684037 w 14211337"/>
+              <a:gd name="connsiteY200" fmla="*/ 7404100 h 8882819"/>
+              <a:gd name="connsiteX201" fmla="*/ 11633237 w 14211337"/>
+              <a:gd name="connsiteY201" fmla="*/ 7429500 h 8882819"/>
+              <a:gd name="connsiteX202" fmla="*/ 11506237 w 14211337"/>
+              <a:gd name="connsiteY202" fmla="*/ 7531100 h 8882819"/>
+              <a:gd name="connsiteX203" fmla="*/ 11391937 w 14211337"/>
+              <a:gd name="connsiteY203" fmla="*/ 7594600 h 8882819"/>
+              <a:gd name="connsiteX204" fmla="*/ 11201437 w 14211337"/>
+              <a:gd name="connsiteY204" fmla="*/ 7747000 h 8882819"/>
+              <a:gd name="connsiteX205" fmla="*/ 11061737 w 14211337"/>
+              <a:gd name="connsiteY205" fmla="*/ 7785100 h 8882819"/>
+              <a:gd name="connsiteX206" fmla="*/ 10896637 w 14211337"/>
+              <a:gd name="connsiteY206" fmla="*/ 7886700 h 8882819"/>
+              <a:gd name="connsiteX207" fmla="*/ 10756937 w 14211337"/>
+              <a:gd name="connsiteY207" fmla="*/ 7950200 h 8882819"/>
+              <a:gd name="connsiteX208" fmla="*/ 10706137 w 14211337"/>
+              <a:gd name="connsiteY208" fmla="*/ 7975600 h 8882819"/>
+              <a:gd name="connsiteX209" fmla="*/ 10617237 w 14211337"/>
+              <a:gd name="connsiteY209" fmla="*/ 8026400 h 8882819"/>
+              <a:gd name="connsiteX210" fmla="*/ 10566437 w 14211337"/>
+              <a:gd name="connsiteY210" fmla="*/ 8051800 h 8882819"/>
+              <a:gd name="connsiteX211" fmla="*/ 10388637 w 14211337"/>
+              <a:gd name="connsiteY211" fmla="*/ 8089900 h 8882819"/>
+              <a:gd name="connsiteX212" fmla="*/ 10274337 w 14211337"/>
+              <a:gd name="connsiteY212" fmla="*/ 8140700 h 8882819"/>
+              <a:gd name="connsiteX213" fmla="*/ 10147337 w 14211337"/>
+              <a:gd name="connsiteY213" fmla="*/ 8178800 h 8882819"/>
+              <a:gd name="connsiteX214" fmla="*/ 9969537 w 14211337"/>
+              <a:gd name="connsiteY214" fmla="*/ 8242300 h 8882819"/>
+              <a:gd name="connsiteX215" fmla="*/ 9817137 w 14211337"/>
+              <a:gd name="connsiteY215" fmla="*/ 8318500 h 8882819"/>
+              <a:gd name="connsiteX216" fmla="*/ 9779037 w 14211337"/>
+              <a:gd name="connsiteY216" fmla="*/ 8331200 h 8882819"/>
+              <a:gd name="connsiteX217" fmla="*/ 9728237 w 14211337"/>
+              <a:gd name="connsiteY217" fmla="*/ 8356600 h 8882819"/>
+              <a:gd name="connsiteX218" fmla="*/ 9690137 w 14211337"/>
+              <a:gd name="connsiteY218" fmla="*/ 8382000 h 8882819"/>
+              <a:gd name="connsiteX219" fmla="*/ 9512337 w 14211337"/>
+              <a:gd name="connsiteY219" fmla="*/ 8394700 h 8882819"/>
+              <a:gd name="connsiteX220" fmla="*/ 9296437 w 14211337"/>
+              <a:gd name="connsiteY220" fmla="*/ 8445500 h 8882819"/>
+              <a:gd name="connsiteX221" fmla="*/ 9169437 w 14211337"/>
+              <a:gd name="connsiteY221" fmla="*/ 8458200 h 8882819"/>
+              <a:gd name="connsiteX222" fmla="*/ 8851937 w 14211337"/>
+              <a:gd name="connsiteY222" fmla="*/ 8534400 h 8882819"/>
+              <a:gd name="connsiteX223" fmla="*/ 8648737 w 14211337"/>
+              <a:gd name="connsiteY223" fmla="*/ 8572500 h 8882819"/>
+              <a:gd name="connsiteX224" fmla="*/ 8521737 w 14211337"/>
+              <a:gd name="connsiteY224" fmla="*/ 8623300 h 8882819"/>
+              <a:gd name="connsiteX225" fmla="*/ 8432837 w 14211337"/>
+              <a:gd name="connsiteY225" fmla="*/ 8712200 h 8882819"/>
+              <a:gd name="connsiteX226" fmla="*/ 8343937 w 14211337"/>
+              <a:gd name="connsiteY226" fmla="*/ 8724900 h 8882819"/>
+              <a:gd name="connsiteX227" fmla="*/ 8255037 w 14211337"/>
+              <a:gd name="connsiteY227" fmla="*/ 8775700 h 8882819"/>
+              <a:gd name="connsiteX228" fmla="*/ 7950237 w 14211337"/>
+              <a:gd name="connsiteY228" fmla="*/ 8813800 h 8882819"/>
+              <a:gd name="connsiteX229" fmla="*/ 7835937 w 14211337"/>
+              <a:gd name="connsiteY229" fmla="*/ 8839200 h 8882819"/>
+              <a:gd name="connsiteX230" fmla="*/ 6273837 w 14211337"/>
+              <a:gd name="connsiteY230" fmla="*/ 8851900 h 8882819"/>
+              <a:gd name="connsiteX231" fmla="*/ 6057937 w 14211337"/>
+              <a:gd name="connsiteY231" fmla="*/ 8826500 h 8882819"/>
+              <a:gd name="connsiteX232" fmla="*/ 5969037 w 14211337"/>
+              <a:gd name="connsiteY232" fmla="*/ 8813800 h 8882819"/>
+              <a:gd name="connsiteX233" fmla="*/ 5753137 w 14211337"/>
+              <a:gd name="connsiteY233" fmla="*/ 8763000 h 8882819"/>
+              <a:gd name="connsiteX234" fmla="*/ 5676937 w 14211337"/>
+              <a:gd name="connsiteY234" fmla="*/ 8737600 h 8882819"/>
+              <a:gd name="connsiteX235" fmla="*/ 5486437 w 14211337"/>
+              <a:gd name="connsiteY235" fmla="*/ 8699500 h 8882819"/>
+              <a:gd name="connsiteX236" fmla="*/ 5334037 w 14211337"/>
+              <a:gd name="connsiteY236" fmla="*/ 8661400 h 8882819"/>
+              <a:gd name="connsiteX237" fmla="*/ 5207037 w 14211337"/>
+              <a:gd name="connsiteY237" fmla="*/ 8636000 h 8882819"/>
+              <a:gd name="connsiteX238" fmla="*/ 5168937 w 14211337"/>
+              <a:gd name="connsiteY238" fmla="*/ 8610600 h 8882819"/>
+              <a:gd name="connsiteX239" fmla="*/ 5118137 w 14211337"/>
+              <a:gd name="connsiteY239" fmla="*/ 8597900 h 8882819"/>
+              <a:gd name="connsiteX240" fmla="*/ 5080037 w 14211337"/>
+              <a:gd name="connsiteY240" fmla="*/ 8547100 h 8882819"/>
+              <a:gd name="connsiteX241" fmla="*/ 5029237 w 14211337"/>
+              <a:gd name="connsiteY241" fmla="*/ 8521700 h 8882819"/>
+              <a:gd name="connsiteX242" fmla="*/ 4991137 w 14211337"/>
+              <a:gd name="connsiteY242" fmla="*/ 8483600 h 8882819"/>
+              <a:gd name="connsiteX243" fmla="*/ 4940337 w 14211337"/>
+              <a:gd name="connsiteY243" fmla="*/ 8445500 h 8882819"/>
+              <a:gd name="connsiteX244" fmla="*/ 4876837 w 14211337"/>
+              <a:gd name="connsiteY244" fmla="*/ 8356600 h 8882819"/>
+              <a:gd name="connsiteX245" fmla="*/ 4813337 w 14211337"/>
+              <a:gd name="connsiteY245" fmla="*/ 8293100 h 8882819"/>
+              <a:gd name="connsiteX246" fmla="*/ 4851437 w 14211337"/>
+              <a:gd name="connsiteY246" fmla="*/ 8191500 h 8882819"/>
+            </a:gdLst>
+            <a:ahLst/>
+            <a:cxnLst>
+              <a:cxn ang="0">
+                <a:pos x="connsiteX0" y="connsiteY0"/>
+              </a:cxn>
+              <a:cxn ang="0">
+                <a:pos x="connsiteX1" y="connsiteY1"/>
+              </a:cxn>
+              <a:cxn ang="0">
+                <a:pos x="connsiteX2" y="connsiteY2"/>
+              </a:cxn>
+              <a:cxn ang="0">
+                <a:pos x="connsiteX3" y="connsiteY3"/>
+              </a:cxn>
+              <a:cxn ang="0">
+                <a:pos x="connsiteX4" y="connsiteY4"/>
+              </a:cxn>
+              <a:cxn ang="0">
+                <a:pos x="connsiteX5" y="connsiteY5"/>
+              </a:cxn>
+              <a:cxn ang="0">
+                <a:pos x="connsiteX6" y="connsiteY6"/>
+              </a:cxn>
+              <a:cxn ang="0">
+                <a:pos x="connsiteX7" y="connsiteY7"/>
+              </a:cxn>
+              <a:cxn ang="0">
+                <a:pos x="connsiteX8" y="connsiteY8"/>
+              </a:cxn>
+              <a:cxn ang="0">
+                <a:pos x="connsiteX9" y="connsiteY9"/>
+              </a:cxn>
+              <a:cxn ang="0">
+                <a:pos x="connsiteX10" y="connsiteY10"/>
+              </a:cxn>
+              <a:cxn ang="0">
+                <a:pos x="connsiteX11" y="connsiteY11"/>
+              </a:cxn>
+              <a:cxn ang="0">
+                <a:pos x="connsiteX12" y="connsiteY12"/>
+              </a:cxn>
+              <a:cxn ang="0">
+                <a:pos x="connsiteX13" y="connsiteY13"/>
+              </a:cxn>
+              <a:cxn ang="0">
+                <a:pos x="connsiteX14" y="connsiteY14"/>
+              </a:cxn>
+              <a:cxn ang="0">
+                <a:pos x="connsiteX15" y="connsiteY15"/>
+              </a:cxn>
+              <a:cxn ang="0">
+                <a:pos x="connsiteX16" y="connsiteY16"/>
+              </a:cxn>
+              <a:cxn ang="0">
+                <a:pos x="connsiteX17" y="connsiteY17"/>
+              </a:cxn>
+              <a:cxn ang="0">
+                <a:pos x="connsiteX18" y="connsiteY18"/>
+              </a:cxn>
+              <a:cxn ang="0">
+                <a:pos x="connsiteX19" y="connsiteY19"/>
+              </a:cxn>
+              <a:cxn ang="0">
+                <a:pos x="connsiteX20" y="connsiteY20"/>
+              </a:cxn>
+              <a:cxn ang="0">
+                <a:pos x="connsiteX21" y="connsiteY21"/>
+              </a:cxn>
+              <a:cxn ang="0">
+                <a:pos x="connsiteX22" y="connsiteY22"/>
+              </a:cxn>
+              <a:cxn ang="0">
+                <a:pos x="connsiteX23" y="connsiteY23"/>
+              </a:cxn>
+              <a:cxn ang="0">
+                <a:pos x="connsiteX24" y="connsiteY24"/>
+              </a:cxn>
+              <a:cxn ang="0">
+                <a:pos x="connsiteX25" y="connsiteY25"/>
+              </a:cxn>
+              <a:cxn ang="0">
+                <a:pos x="connsiteX26" y="connsiteY26"/>
+              </a:cxn>
+              <a:cxn ang="0">
+                <a:pos x="connsiteX27" y="connsiteY27"/>
+              </a:cxn>
+              <a:cxn ang="0">
+                <a:pos x="connsiteX28" y="connsiteY28"/>
+              </a:cxn>
+              <a:cxn ang="0">
+                <a:pos x="connsiteX29" y="connsiteY29"/>
+              </a:cxn>
+              <a:cxn ang="0">
+                <a:pos x="connsiteX30" y="connsiteY30"/>
+              </a:cxn>
+              <a:cxn ang="0">
+                <a:pos x="connsiteX31" y="connsiteY31"/>
+              </a:cxn>
+              <a:cxn ang="0">
+                <a:pos x="connsiteX32" y="connsiteY32"/>
+              </a:cxn>
+              <a:cxn ang="0">
+                <a:pos x="connsiteX33" y="connsiteY33"/>
+              </a:cxn>
+              <a:cxn ang="0">
+                <a:pos x="connsiteX34" y="connsiteY34"/>
+              </a:cxn>
+              <a:cxn ang="0">
+                <a:pos x="connsiteX35" y="connsiteY35"/>
+              </a:cxn>
+              <a:cxn ang="0">
+                <a:pos x="connsiteX36" y="connsiteY36"/>
+              </a:cxn>
+              <a:cxn ang="0">
+                <a:pos x="connsiteX37" y="connsiteY37"/>
+              </a:cxn>
+              <a:cxn ang="0">
+                <a:pos x="connsiteX38" y="connsiteY38"/>
+              </a:cxn>
+              <a:cxn ang="0">
+                <a:pos x="connsiteX39" y="connsiteY39"/>
+              </a:cxn>
+              <a:cxn ang="0">
+                <a:pos x="connsiteX40" y="connsiteY40"/>
+              </a:cxn>
+              <a:cxn ang="0">
+                <a:pos x="connsiteX41" y="connsiteY41"/>
+              </a:cxn>
+              <a:cxn ang="0">
+                <a:pos x="connsiteX42" y="connsiteY42"/>
+              </a:cxn>
+              <a:cxn ang="0">
+                <a:pos x="connsiteX43" y="connsiteY43"/>
+              </a:cxn>
+              <a:cxn ang="0">
+                <a:pos x="connsiteX44" y="connsiteY44"/>
+              </a:cxn>
+              <a:cxn ang="0">
+                <a:pos x="connsiteX45" y="connsiteY45"/>
+              </a:cxn>
+              <a:cxn ang="0">
+                <a:pos x="connsiteX46" y="connsiteY46"/>
+              </a:cxn>
+              <a:cxn ang="0">
+                <a:pos x="connsiteX47" y="connsiteY47"/>
+              </a:cxn>
+              <a:cxn ang="0">
+                <a:pos x="connsiteX48" y="connsiteY48"/>
+              </a:cxn>
+              <a:cxn ang="0">
+                <a:pos x="connsiteX49" y="connsiteY49"/>
+              </a:cxn>
+              <a:cxn ang="0">
+                <a:pos x="connsiteX50" y="connsiteY50"/>
+              </a:cxn>
+              <a:cxn ang="0">
+                <a:pos x="connsiteX51" y="connsiteY51"/>
+              </a:cxn>
+              <a:cxn ang="0">
+                <a:pos x="connsiteX52" y="connsiteY52"/>
+              </a:cxn>
+              <a:cxn ang="0">
+                <a:pos x="connsiteX53" y="connsiteY53"/>
+              </a:cxn>
+              <a:cxn ang="0">
+                <a:pos x="connsiteX54" y="connsiteY54"/>
+              </a:cxn>
+              <a:cxn ang="0">
+                <a:pos x="connsiteX55" y="connsiteY55"/>
+              </a:cxn>
+              <a:cxn ang="0">
+                <a:pos x="connsiteX56" y="connsiteY56"/>
+              </a:cxn>
+              <a:cxn ang="0">
+                <a:pos x="connsiteX57" y="connsiteY57"/>
+              </a:cxn>
+              <a:cxn ang="0">
+                <a:pos x="connsiteX58" y="connsiteY58"/>
+              </a:cxn>
+              <a:cxn ang="0">
+                <a:pos x="connsiteX59" y="connsiteY59"/>
+              </a:cxn>
+              <a:cxn ang="0">
+                <a:pos x="connsiteX60" y="connsiteY60"/>
+              </a:cxn>
+              <a:cxn ang="0">
+                <a:pos x="connsiteX61" y="connsiteY61"/>
+              </a:cxn>
+              <a:cxn ang="0">
+                <a:pos x="connsiteX62" y="connsiteY62"/>
+              </a:cxn>
+              <a:cxn ang="0">
+                <a:pos x="connsiteX63" y="connsiteY63"/>
+              </a:cxn>
+              <a:cxn ang="0">
+                <a:pos x="connsiteX64" y="connsiteY64"/>
+              </a:cxn>
+              <a:cxn ang="0">
+                <a:pos x="connsiteX65" y="connsiteY65"/>
+              </a:cxn>
+              <a:cxn ang="0">
+                <a:pos x="connsiteX66" y="connsiteY66"/>
+              </a:cxn>
+              <a:cxn ang="0">
+                <a:pos x="connsiteX67" y="connsiteY67"/>
+              </a:cxn>
+              <a:cxn ang="0">
+                <a:pos x="connsiteX68" y="connsiteY68"/>
+              </a:cxn>
+              <a:cxn ang="0">
+                <a:pos x="connsiteX69" y="connsiteY69"/>
+              </a:cxn>
+              <a:cxn ang="0">
+                <a:pos x="connsiteX70" y="connsiteY70"/>
+              </a:cxn>
+              <a:cxn ang="0">
+                <a:pos x="connsiteX71" y="connsiteY71"/>
+              </a:cxn>
+              <a:cxn ang="0">
+                <a:pos x="connsiteX72" y="connsiteY72"/>
+              </a:cxn>
+              <a:cxn ang="0">
+                <a:pos x="connsiteX73" y="connsiteY73"/>
+              </a:cxn>
+              <a:cxn ang="0">
+                <a:pos x="connsiteX74" y="connsiteY74"/>
+              </a:cxn>
+              <a:cxn ang="0">
+                <a:pos x="connsiteX75" y="connsiteY75"/>
+              </a:cxn>
+              <a:cxn ang="0">
+                <a:pos x="connsiteX76" y="connsiteY76"/>
+              </a:cxn>
+              <a:cxn ang="0">
+                <a:pos x="connsiteX77" y="connsiteY77"/>
+              </a:cxn>
+              <a:cxn ang="0">
+                <a:pos x="connsiteX78" y="connsiteY78"/>
+              </a:cxn>
+              <a:cxn ang="0">
+                <a:pos x="connsiteX79" y="connsiteY79"/>
+              </a:cxn>
+              <a:cxn ang="0">
+                <a:pos x="connsiteX80" y="connsiteY80"/>
+              </a:cxn>
+              <a:cxn ang="0">
+                <a:pos x="connsiteX81" y="connsiteY81"/>
+              </a:cxn>
+              <a:cxn ang="0">
+                <a:pos x="connsiteX82" y="connsiteY82"/>
+              </a:cxn>
+              <a:cxn ang="0">
+                <a:pos x="connsiteX83" y="connsiteY83"/>
+              </a:cxn>
+              <a:cxn ang="0">
+                <a:pos x="connsiteX84" y="connsiteY84"/>
+              </a:cxn>
+              <a:cxn ang="0">
+                <a:pos x="connsiteX85" y="connsiteY85"/>
+              </a:cxn>
+              <a:cxn ang="0">
+                <a:pos x="connsiteX86" y="connsiteY86"/>
+              </a:cxn>
+              <a:cxn ang="0">
+                <a:pos x="connsiteX87" y="connsiteY87"/>
+              </a:cxn>
+              <a:cxn ang="0">
+                <a:pos x="connsiteX88" y="connsiteY88"/>
+              </a:cxn>
+              <a:cxn ang="0">
+                <a:pos x="connsiteX89" y="connsiteY89"/>
+              </a:cxn>
+              <a:cxn ang="0">
+                <a:pos x="connsiteX90" y="connsiteY90"/>
+              </a:cxn>
+              <a:cxn ang="0">
+                <a:pos x="connsiteX91" y="connsiteY91"/>
+              </a:cxn>
+              <a:cxn ang="0">
+                <a:pos x="connsiteX92" y="connsiteY92"/>
+              </a:cxn>
+              <a:cxn ang="0">
+                <a:pos x="connsiteX93" y="connsiteY93"/>
+              </a:cxn>
+              <a:cxn ang="0">
+                <a:pos x="connsiteX94" y="connsiteY94"/>
+              </a:cxn>
+              <a:cxn ang="0">
+                <a:pos x="connsiteX95" y="connsiteY95"/>
+              </a:cxn>
+              <a:cxn ang="0">
+                <a:pos x="connsiteX96" y="connsiteY96"/>
+              </a:cxn>
+              <a:cxn ang="0">
+                <a:pos x="connsiteX97" y="connsiteY97"/>
+              </a:cxn>
+              <a:cxn ang="0">
+                <a:pos x="connsiteX98" y="connsiteY98"/>
+              </a:cxn>
+              <a:cxn ang="0">
+                <a:pos x="connsiteX99" y="connsiteY99"/>
+              </a:cxn>
+              <a:cxn ang="0">
+                <a:pos x="connsiteX100" y="connsiteY100"/>
+              </a:cxn>
+              <a:cxn ang="0">
+                <a:pos x="connsiteX101" y="connsiteY101"/>
+              </a:cxn>
+              <a:cxn ang="0">
+                <a:pos x="connsiteX102" y="connsiteY102"/>
+              </a:cxn>
+              <a:cxn ang="0">
+                <a:pos x="connsiteX103" y="connsiteY103"/>
+              </a:cxn>
+              <a:cxn ang="0">
+                <a:pos x="connsiteX104" y="connsiteY104"/>
+              </a:cxn>
+              <a:cxn ang="0">
+                <a:pos x="connsiteX105" y="connsiteY105"/>
+              </a:cxn>
+              <a:cxn ang="0">
+                <a:pos x="connsiteX106" y="connsiteY106"/>
+              </a:cxn>
+              <a:cxn ang="0">
+                <a:pos x="connsiteX107" y="connsiteY107"/>
+              </a:cxn>
+              <a:cxn ang="0">
+                <a:pos x="connsiteX108" y="connsiteY108"/>
+              </a:cxn>
+              <a:cxn ang="0">
+                <a:pos x="connsiteX109" y="connsiteY109"/>
+              </a:cxn>
+              <a:cxn ang="0">
+                <a:pos x="connsiteX110" y="connsiteY110"/>
+              </a:cxn>
+              <a:cxn ang="0">
+                <a:pos x="connsiteX111" y="connsiteY111"/>
+              </a:cxn>
+              <a:cxn ang="0">
+                <a:pos x="connsiteX112" y="connsiteY112"/>
+              </a:cxn>
+              <a:cxn ang="0">
+                <a:pos x="connsiteX113" y="connsiteY113"/>
+              </a:cxn>
+              <a:cxn ang="0">
+                <a:pos x="connsiteX114" y="connsiteY114"/>
+              </a:cxn>
+              <a:cxn ang="0">
+                <a:pos x="connsiteX115" y="connsiteY115"/>
+              </a:cxn>
+              <a:cxn ang="0">
+                <a:pos x="connsiteX116" y="connsiteY116"/>
+              </a:cxn>
+              <a:cxn ang="0">
+                <a:pos x="connsiteX117" y="connsiteY117"/>
+              </a:cxn>
+              <a:cxn ang="0">
+                <a:pos x="connsiteX118" y="connsiteY118"/>
+              </a:cxn>
+              <a:cxn ang="0">
+                <a:pos x="connsiteX119" y="connsiteY119"/>
+              </a:cxn>
+              <a:cxn ang="0">
+                <a:pos x="connsiteX120" y="connsiteY120"/>
+              </a:cxn>
+              <a:cxn ang="0">
+                <a:pos x="connsiteX121" y="connsiteY121"/>
+              </a:cxn>
+              <a:cxn ang="0">
+                <a:pos x="connsiteX122" y="connsiteY122"/>
+              </a:cxn>
+              <a:cxn ang="0">
+                <a:pos x="connsiteX123" y="connsiteY123"/>
+              </a:cxn>
+              <a:cxn ang="0">
+                <a:pos x="connsiteX124" y="connsiteY124"/>
+              </a:cxn>
+              <a:cxn ang="0">
+                <a:pos x="connsiteX125" y="connsiteY125"/>
+              </a:cxn>
+              <a:cxn ang="0">
+                <a:pos x="connsiteX126" y="connsiteY126"/>
+              </a:cxn>
+              <a:cxn ang="0">
+                <a:pos x="connsiteX127" y="connsiteY127"/>
+              </a:cxn>
+              <a:cxn ang="0">
+                <a:pos x="connsiteX128" y="connsiteY128"/>
+              </a:cxn>
+              <a:cxn ang="0">
+                <a:pos x="connsiteX129" y="connsiteY129"/>
+              </a:cxn>
+              <a:cxn ang="0">
+                <a:pos x="connsiteX130" y="connsiteY130"/>
+              </a:cxn>
+              <a:cxn ang="0">
+                <a:pos x="connsiteX131" y="connsiteY131"/>
+              </a:cxn>
+              <a:cxn ang="0">
+                <a:pos x="connsiteX132" y="connsiteY132"/>
+              </a:cxn>
+              <a:cxn ang="0">
+                <a:pos x="connsiteX133" y="connsiteY133"/>
+              </a:cxn>
+              <a:cxn ang="0">
+                <a:pos x="connsiteX134" y="connsiteY134"/>
+              </a:cxn>
+              <a:cxn ang="0">
+                <a:pos x="connsiteX135" y="connsiteY135"/>
+              </a:cxn>
+              <a:cxn ang="0">
+                <a:pos x="connsiteX136" y="connsiteY136"/>
+              </a:cxn>
+              <a:cxn ang="0">
+                <a:pos x="connsiteX137" y="connsiteY137"/>
+              </a:cxn>
+              <a:cxn ang="0">
+                <a:pos x="connsiteX138" y="connsiteY138"/>
+              </a:cxn>
+              <a:cxn ang="0">
+                <a:pos x="connsiteX139" y="connsiteY139"/>
+              </a:cxn>
+              <a:cxn ang="0">
+                <a:pos x="connsiteX140" y="connsiteY140"/>
+              </a:cxn>
+              <a:cxn ang="0">
+                <a:pos x="connsiteX141" y="connsiteY141"/>
+              </a:cxn>
+              <a:cxn ang="0">
+                <a:pos x="connsiteX142" y="connsiteY142"/>
+              </a:cxn>
+              <a:cxn ang="0">
+                <a:pos x="connsiteX143" y="connsiteY143"/>
+              </a:cxn>
+              <a:cxn ang="0">
+                <a:pos x="connsiteX144" y="connsiteY144"/>
+              </a:cxn>
+              <a:cxn ang="0">
+                <a:pos x="connsiteX145" y="connsiteY145"/>
+              </a:cxn>
+              <a:cxn ang="0">
+                <a:pos x="connsiteX146" y="connsiteY146"/>
+              </a:cxn>
+              <a:cxn ang="0">
+                <a:pos x="connsiteX147" y="connsiteY147"/>
+              </a:cxn>
+              <a:cxn ang="0">
+                <a:pos x="connsiteX148" y="connsiteY148"/>
+              </a:cxn>
+              <a:cxn ang="0">
+                <a:pos x="connsiteX149" y="connsiteY149"/>
+              </a:cxn>
+              <a:cxn ang="0">
+                <a:pos x="connsiteX150" y="connsiteY150"/>
+              </a:cxn>
+              <a:cxn ang="0">
+                <a:pos x="connsiteX151" y="connsiteY151"/>
+              </a:cxn>
+              <a:cxn ang="0">
+                <a:pos x="connsiteX152" y="connsiteY152"/>
+              </a:cxn>
+              <a:cxn ang="0">
+                <a:pos x="connsiteX153" y="connsiteY153"/>
+              </a:cxn>
+              <a:cxn ang="0">
+                <a:pos x="connsiteX154" y="connsiteY154"/>
+              </a:cxn>
+              <a:cxn ang="0">
+                <a:pos x="connsiteX155" y="connsiteY155"/>
+              </a:cxn>
+              <a:cxn ang="0">
+                <a:pos x="connsiteX156" y="connsiteY156"/>
+              </a:cxn>
+              <a:cxn ang="0">
+                <a:pos x="connsiteX157" y="connsiteY157"/>
+              </a:cxn>
+              <a:cxn ang="0">
+                <a:pos x="connsiteX158" y="connsiteY158"/>
+              </a:cxn>
+              <a:cxn ang="0">
+                <a:pos x="connsiteX159" y="connsiteY159"/>
+              </a:cxn>
+              <a:cxn ang="0">
+                <a:pos x="connsiteX160" y="connsiteY160"/>
+              </a:cxn>
+              <a:cxn ang="0">
+                <a:pos x="connsiteX161" y="connsiteY161"/>
+              </a:cxn>
+              <a:cxn ang="0">
+                <a:pos x="connsiteX162" y="connsiteY162"/>
+              </a:cxn>
+              <a:cxn ang="0">
+                <a:pos x="connsiteX163" y="connsiteY163"/>
+              </a:cxn>
+              <a:cxn ang="0">
+                <a:pos x="connsiteX164" y="connsiteY164"/>
+              </a:cxn>
+              <a:cxn ang="0">
+                <a:pos x="connsiteX165" y="connsiteY165"/>
+              </a:cxn>
+              <a:cxn ang="0">
+                <a:pos x="connsiteX166" y="connsiteY166"/>
+              </a:cxn>
+              <a:cxn ang="0">
+                <a:pos x="connsiteX167" y="connsiteY167"/>
+              </a:cxn>
+              <a:cxn ang="0">
+                <a:pos x="connsiteX168" y="connsiteY168"/>
+              </a:cxn>
+              <a:cxn ang="0">
+                <a:pos x="connsiteX169" y="connsiteY169"/>
+              </a:cxn>
+              <a:cxn ang="0">
+                <a:pos x="connsiteX170" y="connsiteY170"/>
+              </a:cxn>
+              <a:cxn ang="0">
+                <a:pos x="connsiteX171" y="connsiteY171"/>
+              </a:cxn>
+              <a:cxn ang="0">
+                <a:pos x="connsiteX172" y="connsiteY172"/>
+              </a:cxn>
+              <a:cxn ang="0">
+                <a:pos x="connsiteX173" y="connsiteY173"/>
+              </a:cxn>
+              <a:cxn ang="0">
+                <a:pos x="connsiteX174" y="connsiteY174"/>
+              </a:cxn>
+              <a:cxn ang="0">
+                <a:pos x="connsiteX175" y="connsiteY175"/>
+              </a:cxn>
+              <a:cxn ang="0">
+                <a:pos x="connsiteX176" y="connsiteY176"/>
+              </a:cxn>
+              <a:cxn ang="0">
+                <a:pos x="connsiteX177" y="connsiteY177"/>
+              </a:cxn>
+              <a:cxn ang="0">
+                <a:pos x="connsiteX178" y="connsiteY178"/>
+              </a:cxn>
+              <a:cxn ang="0">
+                <a:pos x="connsiteX179" y="connsiteY179"/>
+              </a:cxn>
+              <a:cxn ang="0">
+                <a:pos x="connsiteX180" y="connsiteY180"/>
+              </a:cxn>
+              <a:cxn ang="0">
+                <a:pos x="connsiteX181" y="connsiteY181"/>
+              </a:cxn>
+              <a:cxn ang="0">
+                <a:pos x="connsiteX182" y="connsiteY182"/>
+              </a:cxn>
+              <a:cxn ang="0">
+                <a:pos x="connsiteX183" y="connsiteY183"/>
+              </a:cxn>
+              <a:cxn ang="0">
+                <a:pos x="connsiteX184" y="connsiteY184"/>
+              </a:cxn>
+              <a:cxn ang="0">
+                <a:pos x="connsiteX185" y="connsiteY185"/>
+              </a:cxn>
+              <a:cxn ang="0">
+                <a:pos x="connsiteX186" y="connsiteY186"/>
+              </a:cxn>
+              <a:cxn ang="0">
+                <a:pos x="connsiteX187" y="connsiteY187"/>
+              </a:cxn>
+              <a:cxn ang="0">
+                <a:pos x="connsiteX188" y="connsiteY188"/>
+              </a:cxn>
+              <a:cxn ang="0">
+                <a:pos x="connsiteX189" y="connsiteY189"/>
+              </a:cxn>
+              <a:cxn ang="0">
+                <a:pos x="connsiteX190" y="connsiteY190"/>
+              </a:cxn>
+              <a:cxn ang="0">
+                <a:pos x="connsiteX191" y="connsiteY191"/>
+              </a:cxn>
+              <a:cxn ang="0">
+                <a:pos x="connsiteX192" y="connsiteY192"/>
+              </a:cxn>
+              <a:cxn ang="0">
+                <a:pos x="connsiteX193" y="connsiteY193"/>
+              </a:cxn>
+              <a:cxn ang="0">
+                <a:pos x="connsiteX194" y="connsiteY194"/>
+              </a:cxn>
+              <a:cxn ang="0">
+                <a:pos x="connsiteX195" y="connsiteY195"/>
+              </a:cxn>
+              <a:cxn ang="0">
+                <a:pos x="connsiteX196" y="connsiteY196"/>
+              </a:cxn>
+              <a:cxn ang="0">
+                <a:pos x="connsiteX197" y="connsiteY197"/>
+              </a:cxn>
+              <a:cxn ang="0">
+                <a:pos x="connsiteX198" y="connsiteY198"/>
+              </a:cxn>
+              <a:cxn ang="0">
+                <a:pos x="connsiteX199" y="connsiteY199"/>
+              </a:cxn>
+              <a:cxn ang="0">
+                <a:pos x="connsiteX200" y="connsiteY200"/>
+              </a:cxn>
+              <a:cxn ang="0">
+                <a:pos x="connsiteX201" y="connsiteY201"/>
+              </a:cxn>
+              <a:cxn ang="0">
+                <a:pos x="connsiteX202" y="connsiteY202"/>
+              </a:cxn>
+              <a:cxn ang="0">
+                <a:pos x="connsiteX203" y="connsiteY203"/>
+              </a:cxn>
+              <a:cxn ang="0">
+                <a:pos x="connsiteX204" y="connsiteY204"/>
+              </a:cxn>
+              <a:cxn ang="0">
+                <a:pos x="connsiteX205" y="connsiteY205"/>
+              </a:cxn>
+              <a:cxn ang="0">
+                <a:pos x="connsiteX206" y="connsiteY206"/>
+              </a:cxn>
+              <a:cxn ang="0">
+                <a:pos x="connsiteX207" y="connsiteY207"/>
+              </a:cxn>
+              <a:cxn ang="0">
+                <a:pos x="connsiteX208" y="connsiteY208"/>
+              </a:cxn>
+              <a:cxn ang="0">
+                <a:pos x="connsiteX209" y="connsiteY209"/>
+              </a:cxn>
+              <a:cxn ang="0">
+                <a:pos x="connsiteX210" y="connsiteY210"/>
+              </a:cxn>
+              <a:cxn ang="0">
+                <a:pos x="connsiteX211" y="connsiteY211"/>
+              </a:cxn>
+              <a:cxn ang="0">
+                <a:pos x="connsiteX212" y="connsiteY212"/>
+              </a:cxn>
+              <a:cxn ang="0">
+                <a:pos x="connsiteX213" y="connsiteY213"/>
+              </a:cxn>
+              <a:cxn ang="0">
+                <a:pos x="connsiteX214" y="connsiteY214"/>
+              </a:cxn>
+              <a:cxn ang="0">
+                <a:pos x="connsiteX215" y="connsiteY215"/>
+              </a:cxn>
+              <a:cxn ang="0">
+                <a:pos x="connsiteX216" y="connsiteY216"/>
+              </a:cxn>
+              <a:cxn ang="0">
+                <a:pos x="connsiteX217" y="connsiteY217"/>
+              </a:cxn>
+              <a:cxn ang="0">
+                <a:pos x="connsiteX218" y="connsiteY218"/>
+              </a:cxn>
+              <a:cxn ang="0">
+                <a:pos x="connsiteX219" y="connsiteY219"/>
+              </a:cxn>
+              <a:cxn ang="0">
+                <a:pos x="connsiteX220" y="connsiteY220"/>
+              </a:cxn>
+              <a:cxn ang="0">
+                <a:pos x="connsiteX221" y="connsiteY221"/>
+              </a:cxn>
+              <a:cxn ang="0">
+                <a:pos x="connsiteX222" y="connsiteY222"/>
+              </a:cxn>
+              <a:cxn ang="0">
+                <a:pos x="connsiteX223" y="connsiteY223"/>
+              </a:cxn>
+              <a:cxn ang="0">
+                <a:pos x="connsiteX224" y="connsiteY224"/>
+              </a:cxn>
+              <a:cxn ang="0">
+                <a:pos x="connsiteX225" y="connsiteY225"/>
+              </a:cxn>
+              <a:cxn ang="0">
+                <a:pos x="connsiteX226" y="connsiteY226"/>
+              </a:cxn>
+              <a:cxn ang="0">
+                <a:pos x="connsiteX227" y="connsiteY227"/>
+              </a:cxn>
+              <a:cxn ang="0">
+                <a:pos x="connsiteX228" y="connsiteY228"/>
+              </a:cxn>
+              <a:cxn ang="0">
+                <a:pos x="connsiteX229" y="connsiteY229"/>
+              </a:cxn>
+              <a:cxn ang="0">
+                <a:pos x="connsiteX230" y="connsiteY230"/>
+              </a:cxn>
+              <a:cxn ang="0">
+                <a:pos x="connsiteX231" y="connsiteY231"/>
+              </a:cxn>
+              <a:cxn ang="0">
+                <a:pos x="connsiteX232" y="connsiteY232"/>
+              </a:cxn>
+              <a:cxn ang="0">
+                <a:pos x="connsiteX233" y="connsiteY233"/>
+              </a:cxn>
+              <a:cxn ang="0">
+                <a:pos x="connsiteX234" y="connsiteY234"/>
+              </a:cxn>
+              <a:cxn ang="0">
+                <a:pos x="connsiteX235" y="connsiteY235"/>
+              </a:cxn>
+              <a:cxn ang="0">
+                <a:pos x="connsiteX236" y="connsiteY236"/>
+              </a:cxn>
+              <a:cxn ang="0">
+                <a:pos x="connsiteX237" y="connsiteY237"/>
+              </a:cxn>
+              <a:cxn ang="0">
+                <a:pos x="connsiteX238" y="connsiteY238"/>
+              </a:cxn>
+              <a:cxn ang="0">
+                <a:pos x="connsiteX239" y="connsiteY239"/>
+              </a:cxn>
+              <a:cxn ang="0">
+                <a:pos x="connsiteX240" y="connsiteY240"/>
+              </a:cxn>
+              <a:cxn ang="0">
+                <a:pos x="connsiteX241" y="connsiteY241"/>
+              </a:cxn>
+              <a:cxn ang="0">
+                <a:pos x="connsiteX242" y="connsiteY242"/>
+              </a:cxn>
+              <a:cxn ang="0">
+                <a:pos x="connsiteX243" y="connsiteY243"/>
+              </a:cxn>
+              <a:cxn ang="0">
+                <a:pos x="connsiteX244" y="connsiteY244"/>
+              </a:cxn>
+              <a:cxn ang="0">
+                <a:pos x="connsiteX245" y="connsiteY245"/>
+              </a:cxn>
+              <a:cxn ang="0">
+                <a:pos x="connsiteX246" y="connsiteY246"/>
+              </a:cxn>
+            </a:cxnLst>
+            <a:rect l="l" t="t" r="r" b="b"/>
+            <a:pathLst>
+              <a:path w="14211337" h="8882819">
+                <a:moveTo>
+                  <a:pt x="4851437" y="8191500"/>
+                </a:moveTo>
+                <a:lnTo>
+                  <a:pt x="4851437" y="8191500"/>
+                </a:lnTo>
+                <a:cubicBezTo>
+                  <a:pt x="4820577" y="8222360"/>
+                  <a:pt x="4763704" y="8292516"/>
+                  <a:pt x="4711737" y="8318500"/>
+                </a:cubicBezTo>
+                <a:cubicBezTo>
+                  <a:pt x="4691347" y="8328695"/>
+                  <a:pt x="4670231" y="8337902"/>
+                  <a:pt x="4648237" y="8343900"/>
+                </a:cubicBezTo>
+                <a:cubicBezTo>
+                  <a:pt x="4623394" y="8350675"/>
+                  <a:pt x="4597437" y="8352367"/>
+                  <a:pt x="4572037" y="8356600"/>
+                </a:cubicBezTo>
+                <a:cubicBezTo>
+                  <a:pt x="4487977" y="8412640"/>
+                  <a:pt x="4577298" y="8360078"/>
+                  <a:pt x="4406937" y="8407400"/>
+                </a:cubicBezTo>
+                <a:cubicBezTo>
+                  <a:pt x="4289295" y="8440078"/>
+                  <a:pt x="4336806" y="8435642"/>
+                  <a:pt x="4254537" y="8470900"/>
+                </a:cubicBezTo>
+                <a:cubicBezTo>
+                  <a:pt x="4212629" y="8488861"/>
+                  <a:pt x="4172779" y="8516045"/>
+                  <a:pt x="4127537" y="8521700"/>
+                </a:cubicBezTo>
+                <a:lnTo>
+                  <a:pt x="4025937" y="8534400"/>
+                </a:lnTo>
+                <a:cubicBezTo>
+                  <a:pt x="3914674" y="8590031"/>
+                  <a:pt x="3943228" y="8583187"/>
+                  <a:pt x="3733837" y="8585200"/>
+                </a:cubicBezTo>
+                <a:lnTo>
+                  <a:pt x="2654337" y="8572500"/>
+                </a:lnTo>
+                <a:cubicBezTo>
+                  <a:pt x="2454246" y="8529623"/>
+                  <a:pt x="2532814" y="8556911"/>
+                  <a:pt x="2413037" y="8509000"/>
+                </a:cubicBezTo>
+                <a:cubicBezTo>
+                  <a:pt x="2308496" y="8404459"/>
+                  <a:pt x="2409357" y="8483019"/>
+                  <a:pt x="2171737" y="8445500"/>
+                </a:cubicBezTo>
+                <a:cubicBezTo>
+                  <a:pt x="2153037" y="8442547"/>
+                  <a:pt x="2138338" y="8427558"/>
+                  <a:pt x="2120937" y="8420100"/>
+                </a:cubicBezTo>
+                <a:cubicBezTo>
+                  <a:pt x="2079029" y="8402139"/>
+                  <a:pt x="2038170" y="8380358"/>
+                  <a:pt x="1993937" y="8369300"/>
+                </a:cubicBezTo>
+                <a:cubicBezTo>
+                  <a:pt x="1943137" y="8356600"/>
+                  <a:pt x="1892738" y="8342172"/>
+                  <a:pt x="1841537" y="8331200"/>
+                </a:cubicBezTo>
+                <a:lnTo>
+                  <a:pt x="1663737" y="8293100"/>
+                </a:lnTo>
+                <a:cubicBezTo>
+                  <a:pt x="1578014" y="8235951"/>
+                  <a:pt x="1656794" y="8280944"/>
+                  <a:pt x="1473237" y="8242300"/>
+                </a:cubicBezTo>
+                <a:cubicBezTo>
+                  <a:pt x="1443079" y="8235951"/>
+                  <a:pt x="1414628" y="8222580"/>
+                  <a:pt x="1384337" y="8216900"/>
+                </a:cubicBezTo>
+                <a:cubicBezTo>
+                  <a:pt x="1346659" y="8209835"/>
+                  <a:pt x="1307902" y="8210179"/>
+                  <a:pt x="1270037" y="8204200"/>
+                </a:cubicBezTo>
+                <a:cubicBezTo>
+                  <a:pt x="1116810" y="8180006"/>
+                  <a:pt x="1178447" y="8182759"/>
+                  <a:pt x="1041437" y="8153400"/>
+                </a:cubicBezTo>
+                <a:cubicBezTo>
+                  <a:pt x="1016258" y="8148005"/>
+                  <a:pt x="990637" y="8144933"/>
+                  <a:pt x="965237" y="8140700"/>
+                </a:cubicBezTo>
+                <a:cubicBezTo>
+                  <a:pt x="944070" y="8132233"/>
+                  <a:pt x="923991" y="8120245"/>
+                  <a:pt x="901737" y="8115300"/>
+                </a:cubicBezTo>
+                <a:cubicBezTo>
+                  <a:pt x="622979" y="8053354"/>
+                  <a:pt x="820876" y="8114029"/>
+                  <a:pt x="685837" y="8077200"/>
+                </a:cubicBezTo>
+                <a:cubicBezTo>
+                  <a:pt x="636142" y="8063647"/>
+                  <a:pt x="580337" y="8049850"/>
+                  <a:pt x="533437" y="8026400"/>
+                </a:cubicBezTo>
+                <a:cubicBezTo>
+                  <a:pt x="519785" y="8019574"/>
+                  <a:pt x="510145" y="8004702"/>
+                  <a:pt x="495337" y="8001000"/>
+                </a:cubicBezTo>
+                <a:cubicBezTo>
+                  <a:pt x="458147" y="7991703"/>
+                  <a:pt x="419137" y="7992533"/>
+                  <a:pt x="381037" y="7988300"/>
+                </a:cubicBezTo>
+                <a:cubicBezTo>
+                  <a:pt x="354533" y="7882283"/>
+                  <a:pt x="394841" y="7980017"/>
+                  <a:pt x="317537" y="7924800"/>
+                </a:cubicBezTo>
+                <a:cubicBezTo>
+                  <a:pt x="300313" y="7912497"/>
+                  <a:pt x="294404" y="7888967"/>
+                  <a:pt x="279437" y="7874000"/>
+                </a:cubicBezTo>
+                <a:cubicBezTo>
+                  <a:pt x="177837" y="7772400"/>
+                  <a:pt x="275204" y="7903633"/>
+                  <a:pt x="190537" y="7785100"/>
+                </a:cubicBezTo>
+                <a:cubicBezTo>
+                  <a:pt x="181665" y="7772680"/>
+                  <a:pt x="171963" y="7760652"/>
+                  <a:pt x="165137" y="7747000"/>
+                </a:cubicBezTo>
+                <a:cubicBezTo>
+                  <a:pt x="93897" y="7604519"/>
+                  <a:pt x="232746" y="7843090"/>
+                  <a:pt x="127037" y="7658100"/>
+                </a:cubicBezTo>
+                <a:cubicBezTo>
+                  <a:pt x="119464" y="7644848"/>
+                  <a:pt x="109210" y="7633252"/>
+                  <a:pt x="101637" y="7620000"/>
+                </a:cubicBezTo>
+                <a:cubicBezTo>
+                  <a:pt x="85483" y="7591731"/>
+                  <a:pt x="71453" y="7562762"/>
+                  <a:pt x="63537" y="7531100"/>
+                </a:cubicBezTo>
+                <a:cubicBezTo>
+                  <a:pt x="16725" y="7343851"/>
+                  <a:pt x="61183" y="7485939"/>
+                  <a:pt x="12737" y="7340600"/>
+                </a:cubicBezTo>
+                <a:cubicBezTo>
+                  <a:pt x="8504" y="7310967"/>
+                  <a:pt x="-659" y="7281626"/>
+                  <a:pt x="37" y="7251700"/>
+                </a:cubicBezTo>
+                <a:cubicBezTo>
+                  <a:pt x="3586" y="7099106"/>
+                  <a:pt x="10249" y="6946378"/>
+                  <a:pt x="25437" y="6794500"/>
+                </a:cubicBezTo>
+                <a:cubicBezTo>
+                  <a:pt x="27321" y="6775662"/>
+                  <a:pt x="43379" y="6761101"/>
+                  <a:pt x="50837" y="6743700"/>
+                </a:cubicBezTo>
+                <a:cubicBezTo>
+                  <a:pt x="56110" y="6731395"/>
+                  <a:pt x="58837" y="6718135"/>
+                  <a:pt x="63537" y="6705600"/>
+                </a:cubicBezTo>
+                <a:cubicBezTo>
+                  <a:pt x="71398" y="6684638"/>
+                  <a:pt x="99146" y="6612567"/>
+                  <a:pt x="114337" y="6591300"/>
+                </a:cubicBezTo>
+                <a:cubicBezTo>
+                  <a:pt x="189385" y="6486232"/>
+                  <a:pt x="120247" y="6615883"/>
+                  <a:pt x="177837" y="6515100"/>
+                </a:cubicBezTo>
+                <a:cubicBezTo>
+                  <a:pt x="187230" y="6498662"/>
+                  <a:pt x="195779" y="6481701"/>
+                  <a:pt x="203237" y="6464300"/>
+                </a:cubicBezTo>
+                <a:cubicBezTo>
+                  <a:pt x="208510" y="6451995"/>
+                  <a:pt x="208156" y="6437093"/>
+                  <a:pt x="215937" y="6426200"/>
+                </a:cubicBezTo>
+                <a:cubicBezTo>
+                  <a:pt x="229856" y="6406713"/>
+                  <a:pt x="247250" y="6389319"/>
+                  <a:pt x="266737" y="6375400"/>
+                </a:cubicBezTo>
+                <a:cubicBezTo>
+                  <a:pt x="277630" y="6367619"/>
+                  <a:pt x="292137" y="6366933"/>
+                  <a:pt x="304837" y="6362700"/>
+                </a:cubicBezTo>
+                <a:cubicBezTo>
+                  <a:pt x="313304" y="6345767"/>
+                  <a:pt x="318249" y="6326553"/>
+                  <a:pt x="330237" y="6311900"/>
+                </a:cubicBezTo>
+                <a:cubicBezTo>
+                  <a:pt x="356775" y="6279465"/>
+                  <a:pt x="419137" y="6223000"/>
+                  <a:pt x="419137" y="6223000"/>
+                </a:cubicBezTo>
+                <a:cubicBezTo>
+                  <a:pt x="446760" y="6140132"/>
+                  <a:pt x="408116" y="6231967"/>
+                  <a:pt x="482637" y="6146800"/>
+                </a:cubicBezTo>
+                <a:cubicBezTo>
+                  <a:pt x="569459" y="6047575"/>
+                  <a:pt x="468761" y="6109288"/>
+                  <a:pt x="571537" y="6057900"/>
+                </a:cubicBezTo>
+                <a:cubicBezTo>
+                  <a:pt x="593821" y="5968764"/>
+                  <a:pt x="564876" y="6039161"/>
+                  <a:pt x="635037" y="5969000"/>
+                </a:cubicBezTo>
+                <a:cubicBezTo>
+                  <a:pt x="719704" y="5884333"/>
+                  <a:pt x="596937" y="5973233"/>
+                  <a:pt x="698537" y="5905500"/>
+                </a:cubicBezTo>
+                <a:cubicBezTo>
+                  <a:pt x="707004" y="5888567"/>
+                  <a:pt x="716479" y="5872101"/>
+                  <a:pt x="723937" y="5854700"/>
+                </a:cubicBezTo>
+                <a:cubicBezTo>
+                  <a:pt x="729210" y="5842395"/>
+                  <a:pt x="727171" y="5826066"/>
+                  <a:pt x="736637" y="5816600"/>
+                </a:cubicBezTo>
+                <a:cubicBezTo>
+                  <a:pt x="750024" y="5803213"/>
+                  <a:pt x="770504" y="5799667"/>
+                  <a:pt x="787437" y="5791200"/>
+                </a:cubicBezTo>
+                <a:cubicBezTo>
+                  <a:pt x="796105" y="5765195"/>
+                  <a:pt x="802811" y="5733938"/>
+                  <a:pt x="825537" y="5715000"/>
+                </a:cubicBezTo>
+                <a:cubicBezTo>
+                  <a:pt x="840081" y="5702880"/>
+                  <a:pt x="859404" y="5698067"/>
+                  <a:pt x="876337" y="5689600"/>
+                </a:cubicBezTo>
+                <a:cubicBezTo>
+                  <a:pt x="889037" y="5672667"/>
+                  <a:pt x="902134" y="5656024"/>
+                  <a:pt x="914437" y="5638800"/>
+                </a:cubicBezTo>
+                <a:cubicBezTo>
+                  <a:pt x="939339" y="5603937"/>
+                  <a:pt x="936102" y="5593229"/>
+                  <a:pt x="977937" y="5575300"/>
+                </a:cubicBezTo>
+                <a:cubicBezTo>
+                  <a:pt x="993980" y="5568424"/>
+                  <a:pt x="1011804" y="5566833"/>
+                  <a:pt x="1028737" y="5562600"/>
+                </a:cubicBezTo>
+                <a:cubicBezTo>
+                  <a:pt x="1106865" y="5510515"/>
+                  <a:pt x="1040254" y="5547937"/>
+                  <a:pt x="1193837" y="5511800"/>
+                </a:cubicBezTo>
+                <a:cubicBezTo>
+                  <a:pt x="1318350" y="5482503"/>
+                  <a:pt x="1259380" y="5478712"/>
+                  <a:pt x="1409737" y="5473700"/>
+                </a:cubicBezTo>
+                <a:lnTo>
+                  <a:pt x="2425737" y="5448300"/>
+                </a:lnTo>
+                <a:lnTo>
+                  <a:pt x="2667037" y="5422900"/>
+                </a:lnTo>
+                <a:cubicBezTo>
+                  <a:pt x="2688456" y="5420223"/>
+                  <a:pt x="2709430" y="5414723"/>
+                  <a:pt x="2730537" y="5410200"/>
+                </a:cubicBezTo>
+                <a:cubicBezTo>
+                  <a:pt x="2768700" y="5402022"/>
+                  <a:pt x="2806385" y="5391487"/>
+                  <a:pt x="2844837" y="5384800"/>
+                </a:cubicBezTo>
+                <a:cubicBezTo>
+                  <a:pt x="2903820" y="5374542"/>
+                  <a:pt x="2963370" y="5367867"/>
+                  <a:pt x="3022637" y="5359400"/>
+                </a:cubicBezTo>
+                <a:cubicBezTo>
+                  <a:pt x="3035337" y="5355167"/>
+                  <a:pt x="3047915" y="5350547"/>
+                  <a:pt x="3060737" y="5346700"/>
+                </a:cubicBezTo>
+                <a:cubicBezTo>
+                  <a:pt x="3090256" y="5337844"/>
+                  <a:pt x="3121022" y="5332746"/>
+                  <a:pt x="3149637" y="5321300"/>
+                </a:cubicBezTo>
+                <a:cubicBezTo>
+                  <a:pt x="3163809" y="5315631"/>
+                  <a:pt x="3174485" y="5303473"/>
+                  <a:pt x="3187737" y="5295900"/>
+                </a:cubicBezTo>
+                <a:cubicBezTo>
+                  <a:pt x="3231679" y="5270791"/>
+                  <a:pt x="3233893" y="5272048"/>
+                  <a:pt x="3276637" y="5257800"/>
+                </a:cubicBezTo>
+                <a:cubicBezTo>
+                  <a:pt x="3285104" y="5240867"/>
+                  <a:pt x="3286631" y="5218004"/>
+                  <a:pt x="3302037" y="5207000"/>
+                </a:cubicBezTo>
+                <a:cubicBezTo>
+                  <a:pt x="3319602" y="5194453"/>
+                  <a:pt x="3345326" y="5201879"/>
+                  <a:pt x="3365537" y="5194300"/>
+                </a:cubicBezTo>
+                <a:cubicBezTo>
+                  <a:pt x="3379829" y="5188941"/>
+                  <a:pt x="3390385" y="5176473"/>
+                  <a:pt x="3403637" y="5168900"/>
+                </a:cubicBezTo>
+                <a:cubicBezTo>
+                  <a:pt x="3516428" y="5104448"/>
+                  <a:pt x="3399712" y="5179983"/>
+                  <a:pt x="3492537" y="5118100"/>
+                </a:cubicBezTo>
+                <a:cubicBezTo>
+                  <a:pt x="3512790" y="5087720"/>
+                  <a:pt x="3524923" y="5064124"/>
+                  <a:pt x="3556037" y="5041900"/>
+                </a:cubicBezTo>
+                <a:cubicBezTo>
+                  <a:pt x="3571443" y="5030896"/>
+                  <a:pt x="3589904" y="5024967"/>
+                  <a:pt x="3606837" y="5016500"/>
+                </a:cubicBezTo>
+                <a:cubicBezTo>
+                  <a:pt x="3619537" y="4999567"/>
+                  <a:pt x="3628676" y="4979251"/>
+                  <a:pt x="3644937" y="4965700"/>
+                </a:cubicBezTo>
+                <a:cubicBezTo>
+                  <a:pt x="3655221" y="4957130"/>
+                  <a:pt x="3670732" y="4958273"/>
+                  <a:pt x="3683037" y="4953000"/>
+                </a:cubicBezTo>
+                <a:cubicBezTo>
+                  <a:pt x="3700438" y="4945542"/>
+                  <a:pt x="3716904" y="4936067"/>
+                  <a:pt x="3733837" y="4927600"/>
+                </a:cubicBezTo>
+                <a:cubicBezTo>
+                  <a:pt x="3801570" y="4826000"/>
+                  <a:pt x="3712670" y="4948767"/>
+                  <a:pt x="3797337" y="4864100"/>
+                </a:cubicBezTo>
+                <a:cubicBezTo>
+                  <a:pt x="3808130" y="4853307"/>
+                  <a:pt x="3814270" y="4838700"/>
+                  <a:pt x="3822737" y="4826000"/>
+                </a:cubicBezTo>
+                <a:cubicBezTo>
+                  <a:pt x="3846474" y="4731053"/>
+                  <a:pt x="3812835" y="4810969"/>
+                  <a:pt x="3886237" y="4749800"/>
+                </a:cubicBezTo>
+                <a:cubicBezTo>
+                  <a:pt x="3897963" y="4740029"/>
+                  <a:pt x="3904811" y="4725352"/>
+                  <a:pt x="3911637" y="4711700"/>
+                </a:cubicBezTo>
+                <a:cubicBezTo>
+                  <a:pt x="3917624" y="4699726"/>
+                  <a:pt x="3914871" y="4683066"/>
+                  <a:pt x="3924337" y="4673600"/>
+                </a:cubicBezTo>
+                <a:cubicBezTo>
+                  <a:pt x="3937724" y="4660213"/>
+                  <a:pt x="3958204" y="4656667"/>
+                  <a:pt x="3975137" y="4648200"/>
+                </a:cubicBezTo>
+                <a:cubicBezTo>
+                  <a:pt x="3979370" y="4631267"/>
+                  <a:pt x="3980031" y="4613012"/>
+                  <a:pt x="3987837" y="4597400"/>
+                </a:cubicBezTo>
+                <a:cubicBezTo>
+                  <a:pt x="4001489" y="4570096"/>
+                  <a:pt x="4038637" y="4521200"/>
+                  <a:pt x="4038637" y="4521200"/>
+                </a:cubicBezTo>
+                <a:cubicBezTo>
+                  <a:pt x="4070503" y="4361868"/>
+                  <a:pt x="4065692" y="4415725"/>
+                  <a:pt x="4025937" y="4127500"/>
+                </a:cubicBezTo>
+                <a:cubicBezTo>
+                  <a:pt x="4023851" y="4112380"/>
+                  <a:pt x="4009004" y="4102100"/>
+                  <a:pt x="4000537" y="4089400"/>
+                </a:cubicBezTo>
+                <a:cubicBezTo>
+                  <a:pt x="3996304" y="4072467"/>
+                  <a:pt x="3994713" y="4054643"/>
+                  <a:pt x="3987837" y="4038600"/>
+                </a:cubicBezTo>
+                <a:cubicBezTo>
+                  <a:pt x="3981423" y="4023635"/>
+                  <a:pt x="3928984" y="3956205"/>
+                  <a:pt x="3924337" y="3949700"/>
+                </a:cubicBezTo>
+                <a:cubicBezTo>
+                  <a:pt x="3915465" y="3937280"/>
+                  <a:pt x="3909148" y="3922945"/>
+                  <a:pt x="3898937" y="3911600"/>
+                </a:cubicBezTo>
+                <a:cubicBezTo>
+                  <a:pt x="3870902" y="3880450"/>
+                  <a:pt x="3833283" y="3857569"/>
+                  <a:pt x="3810037" y="3822700"/>
+                </a:cubicBezTo>
+                <a:cubicBezTo>
+                  <a:pt x="3799745" y="3807263"/>
+                  <a:pt x="3756561" y="3740960"/>
+                  <a:pt x="3746537" y="3733800"/>
+                </a:cubicBezTo>
+                <a:cubicBezTo>
+                  <a:pt x="3732334" y="3723655"/>
+                  <a:pt x="3712670" y="3725333"/>
+                  <a:pt x="3695737" y="3721100"/>
+                </a:cubicBezTo>
+                <a:cubicBezTo>
+                  <a:pt x="3683037" y="3712633"/>
+                  <a:pt x="3668430" y="3706493"/>
+                  <a:pt x="3657637" y="3695700"/>
+                </a:cubicBezTo>
+                <a:cubicBezTo>
+                  <a:pt x="3642670" y="3680733"/>
+                  <a:pt x="3640072" y="3650034"/>
+                  <a:pt x="3619537" y="3644900"/>
+                </a:cubicBezTo>
+                <a:cubicBezTo>
+                  <a:pt x="3549598" y="3627415"/>
+                  <a:pt x="3475604" y="3636433"/>
+                  <a:pt x="3403637" y="3632200"/>
+                </a:cubicBezTo>
+                <a:cubicBezTo>
+                  <a:pt x="3374004" y="3623733"/>
+                  <a:pt x="3343701" y="3617332"/>
+                  <a:pt x="3314737" y="3606800"/>
+                </a:cubicBezTo>
+                <a:cubicBezTo>
+                  <a:pt x="3296945" y="3600330"/>
+                  <a:pt x="3282071" y="3586840"/>
+                  <a:pt x="3263937" y="3581400"/>
+                </a:cubicBezTo>
+                <a:cubicBezTo>
+                  <a:pt x="3239273" y="3574001"/>
+                  <a:pt x="3213137" y="3572933"/>
+                  <a:pt x="3187737" y="3568700"/>
+                </a:cubicBezTo>
+                <a:cubicBezTo>
+                  <a:pt x="3090573" y="3520118"/>
+                  <a:pt x="3185742" y="3563802"/>
+                  <a:pt x="3048037" y="3517900"/>
+                </a:cubicBezTo>
+                <a:cubicBezTo>
+                  <a:pt x="3026410" y="3510691"/>
+                  <a:pt x="3006373" y="3499051"/>
+                  <a:pt x="2984537" y="3492500"/>
+                </a:cubicBezTo>
+                <a:cubicBezTo>
+                  <a:pt x="2963862" y="3486297"/>
+                  <a:pt x="2941978" y="3485035"/>
+                  <a:pt x="2921037" y="3479800"/>
+                </a:cubicBezTo>
+                <a:cubicBezTo>
+                  <a:pt x="2891138" y="3472325"/>
+                  <a:pt x="2861941" y="3462243"/>
+                  <a:pt x="2832137" y="3454400"/>
+                </a:cubicBezTo>
+                <a:cubicBezTo>
+                  <a:pt x="2781498" y="3441074"/>
+                  <a:pt x="2679737" y="3416300"/>
+                  <a:pt x="2679737" y="3416300"/>
+                </a:cubicBezTo>
+                <a:cubicBezTo>
+                  <a:pt x="2612268" y="3371321"/>
+                  <a:pt x="2671343" y="3406925"/>
+                  <a:pt x="2578137" y="3365500"/>
+                </a:cubicBezTo>
+                <a:cubicBezTo>
+                  <a:pt x="2560837" y="3357811"/>
+                  <a:pt x="2545298" y="3346087"/>
+                  <a:pt x="2527337" y="3340100"/>
+                </a:cubicBezTo>
+                <a:cubicBezTo>
+                  <a:pt x="2506859" y="3333274"/>
+                  <a:pt x="2484778" y="3332635"/>
+                  <a:pt x="2463837" y="3327400"/>
+                </a:cubicBezTo>
+                <a:cubicBezTo>
+                  <a:pt x="2433938" y="3319925"/>
+                  <a:pt x="2404175" y="3311746"/>
+                  <a:pt x="2374937" y="3302000"/>
+                </a:cubicBezTo>
+                <a:cubicBezTo>
+                  <a:pt x="2353310" y="3294791"/>
+                  <a:pt x="2332783" y="3284605"/>
+                  <a:pt x="2311437" y="3276600"/>
+                </a:cubicBezTo>
+                <a:cubicBezTo>
+                  <a:pt x="2298902" y="3271900"/>
+                  <a:pt x="2285642" y="3269173"/>
+                  <a:pt x="2273337" y="3263900"/>
+                </a:cubicBezTo>
+                <a:cubicBezTo>
+                  <a:pt x="2255936" y="3256442"/>
+                  <a:pt x="2238975" y="3247893"/>
+                  <a:pt x="2222537" y="3238500"/>
+                </a:cubicBezTo>
+                <a:cubicBezTo>
+                  <a:pt x="2209285" y="3230927"/>
+                  <a:pt x="2198466" y="3219113"/>
+                  <a:pt x="2184437" y="3213100"/>
+                </a:cubicBezTo>
+                <a:cubicBezTo>
+                  <a:pt x="2168394" y="3206224"/>
+                  <a:pt x="2150570" y="3204633"/>
+                  <a:pt x="2133637" y="3200400"/>
+                </a:cubicBezTo>
+                <a:cubicBezTo>
+                  <a:pt x="2120937" y="3191933"/>
+                  <a:pt x="2106330" y="3185793"/>
+                  <a:pt x="2095537" y="3175000"/>
+                </a:cubicBezTo>
+                <a:cubicBezTo>
+                  <a:pt x="2080570" y="3160033"/>
+                  <a:pt x="2074661" y="3136503"/>
+                  <a:pt x="2057437" y="3124200"/>
+                </a:cubicBezTo>
+                <a:cubicBezTo>
+                  <a:pt x="2043234" y="3114055"/>
+                  <a:pt x="2023570" y="3115733"/>
+                  <a:pt x="2006637" y="3111500"/>
+                </a:cubicBezTo>
+                <a:cubicBezTo>
+                  <a:pt x="1993937" y="3094567"/>
+                  <a:pt x="1980840" y="3077924"/>
+                  <a:pt x="1968537" y="3060700"/>
+                </a:cubicBezTo>
+                <a:cubicBezTo>
+                  <a:pt x="1959665" y="3048280"/>
+                  <a:pt x="1946130" y="3037567"/>
+                  <a:pt x="1943137" y="3022600"/>
+                </a:cubicBezTo>
+                <a:cubicBezTo>
+                  <a:pt x="1928926" y="2951544"/>
+                  <a:pt x="1928356" y="2878381"/>
+                  <a:pt x="1917737" y="2806700"/>
+                </a:cubicBezTo>
+                <a:cubicBezTo>
+                  <a:pt x="1911410" y="2763994"/>
+                  <a:pt x="1900804" y="2722033"/>
+                  <a:pt x="1892337" y="2679700"/>
+                </a:cubicBezTo>
+                <a:cubicBezTo>
+                  <a:pt x="1896570" y="2408767"/>
+                  <a:pt x="1893757" y="2137631"/>
+                  <a:pt x="1905037" y="1866900"/>
+                </a:cubicBezTo>
+                <a:cubicBezTo>
+                  <a:pt x="1906490" y="1832021"/>
+                  <a:pt x="1922441" y="1799281"/>
+                  <a:pt x="1930437" y="1765300"/>
+                </a:cubicBezTo>
+                <a:cubicBezTo>
+                  <a:pt x="1939376" y="1727308"/>
+                  <a:pt x="1944909" y="1688468"/>
+                  <a:pt x="1955837" y="1651000"/>
+                </a:cubicBezTo>
+                <a:cubicBezTo>
+                  <a:pt x="1974579" y="1586743"/>
+                  <a:pt x="1997225" y="1523677"/>
+                  <a:pt x="2019337" y="1460500"/>
+                </a:cubicBezTo>
+                <a:cubicBezTo>
+                  <a:pt x="2026868" y="1438983"/>
+                  <a:pt x="2037528" y="1418627"/>
+                  <a:pt x="2044737" y="1397000"/>
+                </a:cubicBezTo>
+                <a:cubicBezTo>
+                  <a:pt x="2068990" y="1324241"/>
+                  <a:pt x="2043087" y="1362200"/>
+                  <a:pt x="2082837" y="1282700"/>
+                </a:cubicBezTo>
+                <a:cubicBezTo>
+                  <a:pt x="2089663" y="1269048"/>
+                  <a:pt x="2100664" y="1257852"/>
+                  <a:pt x="2108237" y="1244600"/>
+                </a:cubicBezTo>
+                <a:cubicBezTo>
+                  <a:pt x="2179699" y="1119542"/>
+                  <a:pt x="2065358" y="1289390"/>
+                  <a:pt x="2197137" y="1104900"/>
+                </a:cubicBezTo>
+                <a:cubicBezTo>
+                  <a:pt x="2209837" y="1066800"/>
+                  <a:pt x="2217276" y="1026521"/>
+                  <a:pt x="2235237" y="990600"/>
+                </a:cubicBezTo>
+                <a:cubicBezTo>
+                  <a:pt x="2257348" y="946379"/>
+                  <a:pt x="2412835" y="800436"/>
+                  <a:pt x="2413037" y="800100"/>
+                </a:cubicBezTo>
+                <a:cubicBezTo>
+                  <a:pt x="2425737" y="778933"/>
+                  <a:pt x="2433683" y="754054"/>
+                  <a:pt x="2451137" y="736600"/>
+                </a:cubicBezTo>
+                <a:cubicBezTo>
+                  <a:pt x="2475165" y="712572"/>
+                  <a:pt x="2628947" y="588676"/>
+                  <a:pt x="2679737" y="558800"/>
+                </a:cubicBezTo>
+                <a:cubicBezTo>
+                  <a:pt x="2916952" y="419262"/>
+                  <a:pt x="2734049" y="530081"/>
+                  <a:pt x="2844837" y="482600"/>
+                </a:cubicBezTo>
+                <a:cubicBezTo>
+                  <a:pt x="2862238" y="475142"/>
+                  <a:pt x="2879199" y="466593"/>
+                  <a:pt x="2895637" y="457200"/>
+                </a:cubicBezTo>
+                <a:cubicBezTo>
+                  <a:pt x="2908889" y="449627"/>
+                  <a:pt x="2919648" y="437671"/>
+                  <a:pt x="2933737" y="431800"/>
+                </a:cubicBezTo>
+                <a:cubicBezTo>
+                  <a:pt x="2970809" y="416353"/>
+                  <a:pt x="3009075" y="403440"/>
+                  <a:pt x="3048037" y="393700"/>
+                </a:cubicBezTo>
+                <a:cubicBezTo>
+                  <a:pt x="3127779" y="373764"/>
+                  <a:pt x="3208322" y="356788"/>
+                  <a:pt x="3289337" y="342900"/>
+                </a:cubicBezTo>
+                <a:cubicBezTo>
+                  <a:pt x="3320773" y="337511"/>
+                  <a:pt x="3486692" y="323712"/>
+                  <a:pt x="3556037" y="304800"/>
+                </a:cubicBezTo>
+                <a:cubicBezTo>
+                  <a:pt x="3689184" y="268487"/>
+                  <a:pt x="3575193" y="285729"/>
+                  <a:pt x="3733837" y="254000"/>
+                </a:cubicBezTo>
+                <a:cubicBezTo>
+                  <a:pt x="3826659" y="235436"/>
+                  <a:pt x="3920017" y="219651"/>
+                  <a:pt x="4013237" y="203200"/>
+                </a:cubicBezTo>
+                <a:lnTo>
+                  <a:pt x="4165637" y="177800"/>
+                </a:lnTo>
+                <a:cubicBezTo>
+                  <a:pt x="4212267" y="169690"/>
+                  <a:pt x="4258060" y="154651"/>
+                  <a:pt x="4305337" y="152400"/>
+                </a:cubicBezTo>
+                <a:lnTo>
+                  <a:pt x="4572037" y="139700"/>
+                </a:lnTo>
+                <a:cubicBezTo>
+                  <a:pt x="4971064" y="78311"/>
+                  <a:pt x="4465390" y="150479"/>
+                  <a:pt x="5219737" y="88900"/>
+                </a:cubicBezTo>
+                <a:cubicBezTo>
+                  <a:pt x="5266910" y="85049"/>
+                  <a:pt x="5312195" y="66392"/>
+                  <a:pt x="5359437" y="63500"/>
+                </a:cubicBezTo>
+                <a:cubicBezTo>
+                  <a:pt x="5520059" y="53666"/>
+                  <a:pt x="5681170" y="55033"/>
+                  <a:pt x="5842037" y="50800"/>
+                </a:cubicBezTo>
+                <a:lnTo>
+                  <a:pt x="6261137" y="25400"/>
+                </a:lnTo>
+                <a:cubicBezTo>
+                  <a:pt x="6350195" y="18803"/>
+                  <a:pt x="6438535" y="296"/>
+                  <a:pt x="6527837" y="0"/>
+                </a:cubicBezTo>
+                <a:lnTo>
+                  <a:pt x="10096537" y="12700"/>
+                </a:lnTo>
+                <a:lnTo>
+                  <a:pt x="10325137" y="63500"/>
+                </a:lnTo>
+                <a:cubicBezTo>
+                  <a:pt x="10393099" y="79491"/>
+                  <a:pt x="10458854" y="107466"/>
+                  <a:pt x="10528337" y="114300"/>
+                </a:cubicBezTo>
+                <a:cubicBezTo>
+                  <a:pt x="10718109" y="132966"/>
+                  <a:pt x="10909352" y="130908"/>
+                  <a:pt x="11099837" y="139700"/>
+                </a:cubicBezTo>
+                <a:lnTo>
+                  <a:pt x="11353837" y="152400"/>
+                </a:lnTo>
+                <a:cubicBezTo>
+                  <a:pt x="11779928" y="243705"/>
+                  <a:pt x="11588422" y="221481"/>
+                  <a:pt x="11925337" y="241300"/>
+                </a:cubicBezTo>
+                <a:cubicBezTo>
+                  <a:pt x="12039637" y="258233"/>
+                  <a:pt x="12154448" y="272020"/>
+                  <a:pt x="12268237" y="292100"/>
+                </a:cubicBezTo>
+                <a:cubicBezTo>
+                  <a:pt x="12567916" y="344985"/>
+                  <a:pt x="12058859" y="292644"/>
+                  <a:pt x="12509537" y="330200"/>
+                </a:cubicBezTo>
+                <a:cubicBezTo>
+                  <a:pt x="12547637" y="347133"/>
+                  <a:pt x="12584041" y="368564"/>
+                  <a:pt x="12623837" y="381000"/>
+                </a:cubicBezTo>
+                <a:cubicBezTo>
+                  <a:pt x="12652409" y="389929"/>
+                  <a:pt x="12684450" y="383908"/>
+                  <a:pt x="12712737" y="393700"/>
+                </a:cubicBezTo>
+                <a:cubicBezTo>
+                  <a:pt x="13080690" y="521068"/>
+                  <a:pt x="12833663" y="478104"/>
+                  <a:pt x="13042937" y="508000"/>
+                </a:cubicBezTo>
+                <a:cubicBezTo>
+                  <a:pt x="13097970" y="533400"/>
+                  <a:pt x="13150278" y="565822"/>
+                  <a:pt x="13208037" y="584200"/>
+                </a:cubicBezTo>
+                <a:cubicBezTo>
+                  <a:pt x="13385681" y="640723"/>
+                  <a:pt x="13259177" y="553873"/>
+                  <a:pt x="13411237" y="622300"/>
+                </a:cubicBezTo>
+                <a:cubicBezTo>
+                  <a:pt x="13814268" y="803664"/>
+                  <a:pt x="13354995" y="639376"/>
+                  <a:pt x="13728737" y="749300"/>
+                </a:cubicBezTo>
+                <a:cubicBezTo>
+                  <a:pt x="13764996" y="759965"/>
+                  <a:pt x="13827000" y="788853"/>
+                  <a:pt x="13855737" y="812800"/>
+                </a:cubicBezTo>
+                <a:cubicBezTo>
+                  <a:pt x="13887932" y="839629"/>
+                  <a:pt x="13944637" y="901700"/>
+                  <a:pt x="13944637" y="901700"/>
+                </a:cubicBezTo>
+                <a:cubicBezTo>
+                  <a:pt x="13953104" y="939800"/>
+                  <a:pt x="13956910" y="979244"/>
+                  <a:pt x="13970037" y="1016000"/>
+                </a:cubicBezTo>
+                <a:cubicBezTo>
+                  <a:pt x="13978339" y="1039246"/>
+                  <a:pt x="13998643" y="1056714"/>
+                  <a:pt x="14008137" y="1079500"/>
+                </a:cubicBezTo>
+                <a:cubicBezTo>
+                  <a:pt x="14019991" y="1107948"/>
+                  <a:pt x="14025070" y="1138767"/>
+                  <a:pt x="14033537" y="1168400"/>
+                </a:cubicBezTo>
+                <a:cubicBezTo>
+                  <a:pt x="14091952" y="1752548"/>
+                  <a:pt x="14028068" y="1169661"/>
+                  <a:pt x="14084337" y="1574800"/>
+                </a:cubicBezTo>
+                <a:cubicBezTo>
+                  <a:pt x="14098423" y="1676217"/>
+                  <a:pt x="14104298" y="1778829"/>
+                  <a:pt x="14122437" y="1879600"/>
+                </a:cubicBezTo>
+                <a:cubicBezTo>
+                  <a:pt x="14237354" y="2518029"/>
+                  <a:pt x="14175949" y="2005606"/>
+                  <a:pt x="14211337" y="2324100"/>
+                </a:cubicBezTo>
+                <a:cubicBezTo>
+                  <a:pt x="14202870" y="2722033"/>
+                  <a:pt x="14202169" y="3120208"/>
+                  <a:pt x="14185937" y="3517900"/>
+                </a:cubicBezTo>
+                <a:cubicBezTo>
+                  <a:pt x="14185165" y="3536816"/>
+                  <a:pt x="14164504" y="3550188"/>
+                  <a:pt x="14160537" y="3568700"/>
+                </a:cubicBezTo>
+                <a:cubicBezTo>
+                  <a:pt x="14115008" y="3781168"/>
+                  <a:pt x="14192557" y="3617440"/>
+                  <a:pt x="14097037" y="3784600"/>
+                </a:cubicBezTo>
+                <a:cubicBezTo>
+                  <a:pt x="14088570" y="3843867"/>
+                  <a:pt x="14086157" y="3904319"/>
+                  <a:pt x="14071637" y="3962400"/>
+                </a:cubicBezTo>
+                <a:cubicBezTo>
+                  <a:pt x="14064749" y="3989950"/>
+                  <a:pt x="14043830" y="4012133"/>
+                  <a:pt x="14033537" y="4038600"/>
+                </a:cubicBezTo>
+                <a:cubicBezTo>
+                  <a:pt x="14014129" y="4088507"/>
+                  <a:pt x="14002940" y="4141410"/>
+                  <a:pt x="13982737" y="4191000"/>
+                </a:cubicBezTo>
+                <a:cubicBezTo>
+                  <a:pt x="13884847" y="4431276"/>
+                  <a:pt x="13925952" y="4311479"/>
+                  <a:pt x="13843037" y="4470400"/>
+                </a:cubicBezTo>
+                <a:cubicBezTo>
+                  <a:pt x="13808008" y="4537539"/>
+                  <a:pt x="13775304" y="4605867"/>
+                  <a:pt x="13741437" y="4673600"/>
+                </a:cubicBezTo>
+                <a:cubicBezTo>
+                  <a:pt x="13732970" y="4690533"/>
+                  <a:pt x="13723068" y="4706822"/>
+                  <a:pt x="13716037" y="4724400"/>
+                </a:cubicBezTo>
+                <a:cubicBezTo>
+                  <a:pt x="13699104" y="4766733"/>
+                  <a:pt x="13685059" y="4810340"/>
+                  <a:pt x="13665237" y="4851400"/>
+                </a:cubicBezTo>
+                <a:cubicBezTo>
+                  <a:pt x="13625721" y="4933254"/>
+                  <a:pt x="13583590" y="5013930"/>
+                  <a:pt x="13538237" y="5092700"/>
+                </a:cubicBezTo>
+                <a:cubicBezTo>
+                  <a:pt x="13503082" y="5153759"/>
+                  <a:pt x="13463019" y="5211876"/>
+                  <a:pt x="13423937" y="5270500"/>
+                </a:cubicBezTo>
+                <a:cubicBezTo>
+                  <a:pt x="13403737" y="5300800"/>
+                  <a:pt x="13376723" y="5326828"/>
+                  <a:pt x="13360437" y="5359400"/>
+                </a:cubicBezTo>
+                <a:cubicBezTo>
+                  <a:pt x="13283919" y="5512437"/>
+                  <a:pt x="13353219" y="5381724"/>
+                  <a:pt x="13131837" y="5676900"/>
+                </a:cubicBezTo>
+                <a:cubicBezTo>
+                  <a:pt x="13042675" y="5795783"/>
+                  <a:pt x="13104148" y="5737151"/>
+                  <a:pt x="13004837" y="5816600"/>
+                </a:cubicBezTo>
+                <a:cubicBezTo>
+                  <a:pt x="12911224" y="6035030"/>
+                  <a:pt x="13036309" y="5767643"/>
+                  <a:pt x="12890537" y="5994400"/>
+                </a:cubicBezTo>
+                <a:cubicBezTo>
+                  <a:pt x="12873103" y="6021520"/>
+                  <a:pt x="12869334" y="6055842"/>
+                  <a:pt x="12852437" y="6083300"/>
+                </a:cubicBezTo>
+                <a:cubicBezTo>
+                  <a:pt x="12835109" y="6111459"/>
+                  <a:pt x="12807757" y="6132316"/>
+                  <a:pt x="12788937" y="6159500"/>
+                </a:cubicBezTo>
+                <a:cubicBezTo>
+                  <a:pt x="12769510" y="6187562"/>
+                  <a:pt x="12758424" y="6220953"/>
+                  <a:pt x="12738137" y="6248400"/>
+                </a:cubicBezTo>
+                <a:cubicBezTo>
+                  <a:pt x="12686263" y="6318582"/>
+                  <a:pt x="12625400" y="6381782"/>
+                  <a:pt x="12573037" y="6451600"/>
+                </a:cubicBezTo>
+                <a:cubicBezTo>
+                  <a:pt x="12561678" y="6466746"/>
+                  <a:pt x="12559260" y="6487456"/>
+                  <a:pt x="12547637" y="6502400"/>
+                </a:cubicBezTo>
+                <a:cubicBezTo>
+                  <a:pt x="12529259" y="6526029"/>
+                  <a:pt x="12504441" y="6543904"/>
+                  <a:pt x="12484137" y="6565900"/>
+                </a:cubicBezTo>
+                <a:cubicBezTo>
+                  <a:pt x="12453614" y="6598967"/>
+                  <a:pt x="12426079" y="6634730"/>
+                  <a:pt x="12395237" y="6667500"/>
+                </a:cubicBezTo>
+                <a:cubicBezTo>
+                  <a:pt x="12358308" y="6706737"/>
+                  <a:pt x="12305034" y="6733607"/>
+                  <a:pt x="12280937" y="6781800"/>
+                </a:cubicBezTo>
+                <a:cubicBezTo>
+                  <a:pt x="12212699" y="6918277"/>
+                  <a:pt x="12268924" y="6819213"/>
+                  <a:pt x="12052337" y="7035800"/>
+                </a:cubicBezTo>
+                <a:cubicBezTo>
+                  <a:pt x="12005770" y="7082367"/>
+                  <a:pt x="11942088" y="7116597"/>
+                  <a:pt x="11912637" y="7175500"/>
+                </a:cubicBezTo>
+                <a:cubicBezTo>
+                  <a:pt x="11904170" y="7192433"/>
+                  <a:pt x="11901485" y="7213833"/>
+                  <a:pt x="11887237" y="7226300"/>
+                </a:cubicBezTo>
+                <a:cubicBezTo>
+                  <a:pt x="11865865" y="7245000"/>
+                  <a:pt x="11836437" y="7251700"/>
+                  <a:pt x="11811037" y="7264400"/>
+                </a:cubicBezTo>
+                <a:cubicBezTo>
+                  <a:pt x="11768704" y="7310967"/>
+                  <a:pt x="11730154" y="7361277"/>
+                  <a:pt x="11684037" y="7404100"/>
+                </a:cubicBezTo>
+                <a:cubicBezTo>
+                  <a:pt x="11670164" y="7416982"/>
+                  <a:pt x="11648643" y="7418496"/>
+                  <a:pt x="11633237" y="7429500"/>
+                </a:cubicBezTo>
+                <a:cubicBezTo>
+                  <a:pt x="11589122" y="7461011"/>
+                  <a:pt x="11550979" y="7500487"/>
+                  <a:pt x="11506237" y="7531100"/>
+                </a:cubicBezTo>
+                <a:cubicBezTo>
+                  <a:pt x="11470266" y="7555712"/>
+                  <a:pt x="11427503" y="7569407"/>
+                  <a:pt x="11391937" y="7594600"/>
+                </a:cubicBezTo>
+                <a:cubicBezTo>
+                  <a:pt x="11325578" y="7641604"/>
+                  <a:pt x="11269099" y="7701892"/>
+                  <a:pt x="11201437" y="7747000"/>
+                </a:cubicBezTo>
+                <a:cubicBezTo>
+                  <a:pt x="11173815" y="7765415"/>
+                  <a:pt x="11095816" y="7778284"/>
+                  <a:pt x="11061737" y="7785100"/>
+                </a:cubicBezTo>
+                <a:cubicBezTo>
+                  <a:pt x="11006704" y="7818967"/>
+                  <a:pt x="10952334" y="7853937"/>
+                  <a:pt x="10896637" y="7886700"/>
+                </a:cubicBezTo>
+                <a:cubicBezTo>
+                  <a:pt x="10857433" y="7909761"/>
+                  <a:pt x="10794385" y="7933178"/>
+                  <a:pt x="10756937" y="7950200"/>
+                </a:cubicBezTo>
+                <a:cubicBezTo>
+                  <a:pt x="10739702" y="7958034"/>
+                  <a:pt x="10722757" y="7966534"/>
+                  <a:pt x="10706137" y="7975600"/>
+                </a:cubicBezTo>
+                <a:cubicBezTo>
+                  <a:pt x="10676174" y="7991943"/>
+                  <a:pt x="10647200" y="8010057"/>
+                  <a:pt x="10617237" y="8026400"/>
+                </a:cubicBezTo>
+                <a:cubicBezTo>
+                  <a:pt x="10600617" y="8035466"/>
+                  <a:pt x="10584678" y="8046733"/>
+                  <a:pt x="10566437" y="8051800"/>
+                </a:cubicBezTo>
+                <a:cubicBezTo>
+                  <a:pt x="10508036" y="8068022"/>
+                  <a:pt x="10447904" y="8077200"/>
+                  <a:pt x="10388637" y="8089900"/>
+                </a:cubicBezTo>
+                <a:cubicBezTo>
+                  <a:pt x="10350537" y="8106833"/>
+                  <a:pt x="10313460" y="8126286"/>
+                  <a:pt x="10274337" y="8140700"/>
+                </a:cubicBezTo>
+                <a:cubicBezTo>
+                  <a:pt x="10232865" y="8155979"/>
+                  <a:pt x="10188205" y="8161972"/>
+                  <a:pt x="10147337" y="8178800"/>
+                </a:cubicBezTo>
+                <a:cubicBezTo>
+                  <a:pt x="9964231" y="8254197"/>
+                  <a:pt x="10152054" y="8216226"/>
+                  <a:pt x="9969537" y="8242300"/>
+                </a:cubicBezTo>
+                <a:cubicBezTo>
+                  <a:pt x="9822490" y="8301119"/>
+                  <a:pt x="10003469" y="8225334"/>
+                  <a:pt x="9817137" y="8318500"/>
+                </a:cubicBezTo>
+                <a:cubicBezTo>
+                  <a:pt x="9805163" y="8324487"/>
+                  <a:pt x="9791342" y="8325927"/>
+                  <a:pt x="9779037" y="8331200"/>
+                </a:cubicBezTo>
+                <a:cubicBezTo>
+                  <a:pt x="9761636" y="8338658"/>
+                  <a:pt x="9744675" y="8347207"/>
+                  <a:pt x="9728237" y="8356600"/>
+                </a:cubicBezTo>
+                <a:cubicBezTo>
+                  <a:pt x="9714985" y="8364173"/>
+                  <a:pt x="9705168" y="8379347"/>
+                  <a:pt x="9690137" y="8382000"/>
+                </a:cubicBezTo>
+                <a:cubicBezTo>
+                  <a:pt x="9631623" y="8392326"/>
+                  <a:pt x="9571604" y="8390467"/>
+                  <a:pt x="9512337" y="8394700"/>
+                </a:cubicBezTo>
+                <a:cubicBezTo>
+                  <a:pt x="9426045" y="8452228"/>
+                  <a:pt x="9482987" y="8422181"/>
+                  <a:pt x="9296437" y="8445500"/>
+                </a:cubicBezTo>
+                <a:cubicBezTo>
+                  <a:pt x="9254221" y="8450777"/>
+                  <a:pt x="9211770" y="8453967"/>
+                  <a:pt x="9169437" y="8458200"/>
+                </a:cubicBezTo>
+                <a:cubicBezTo>
+                  <a:pt x="8891634" y="8550801"/>
+                  <a:pt x="9145433" y="8475701"/>
+                  <a:pt x="8851937" y="8534400"/>
+                </a:cubicBezTo>
+                <a:cubicBezTo>
+                  <a:pt x="8604909" y="8583806"/>
+                  <a:pt x="8944507" y="8539637"/>
+                  <a:pt x="8648737" y="8572500"/>
+                </a:cubicBezTo>
+                <a:cubicBezTo>
+                  <a:pt x="8625049" y="8580396"/>
+                  <a:pt x="8546653" y="8602537"/>
+                  <a:pt x="8521737" y="8623300"/>
+                </a:cubicBezTo>
+                <a:cubicBezTo>
+                  <a:pt x="8455674" y="8678353"/>
+                  <a:pt x="8553767" y="8661812"/>
+                  <a:pt x="8432837" y="8712200"/>
+                </a:cubicBezTo>
+                <a:cubicBezTo>
+                  <a:pt x="8405205" y="8723713"/>
+                  <a:pt x="8373570" y="8720667"/>
+                  <a:pt x="8343937" y="8724900"/>
+                </a:cubicBezTo>
+                <a:cubicBezTo>
+                  <a:pt x="8321971" y="8739544"/>
+                  <a:pt x="8279939" y="8769841"/>
+                  <a:pt x="8255037" y="8775700"/>
+                </a:cubicBezTo>
+                <a:cubicBezTo>
+                  <a:pt x="8162925" y="8797373"/>
+                  <a:pt x="8045287" y="8805159"/>
+                  <a:pt x="7950237" y="8813800"/>
+                </a:cubicBezTo>
+                <a:cubicBezTo>
+                  <a:pt x="7912137" y="8822267"/>
+                  <a:pt x="7874435" y="8832784"/>
+                  <a:pt x="7835937" y="8839200"/>
+                </a:cubicBezTo>
+                <a:cubicBezTo>
+                  <a:pt x="7314194" y="8926157"/>
+                  <a:pt x="6839008" y="8857133"/>
+                  <a:pt x="6273837" y="8851900"/>
+                </a:cubicBezTo>
+                <a:lnTo>
+                  <a:pt x="6057937" y="8826500"/>
+                </a:lnTo>
+                <a:cubicBezTo>
+                  <a:pt x="6028234" y="8822787"/>
+                  <a:pt x="5998458" y="8819317"/>
+                  <a:pt x="5969037" y="8813800"/>
+                </a:cubicBezTo>
+                <a:cubicBezTo>
+                  <a:pt x="5929816" y="8806446"/>
+                  <a:pt x="5794968" y="8774952"/>
+                  <a:pt x="5753137" y="8763000"/>
+                </a:cubicBezTo>
+                <a:cubicBezTo>
+                  <a:pt x="5727393" y="8755645"/>
+                  <a:pt x="5702983" y="8743801"/>
+                  <a:pt x="5676937" y="8737600"/>
+                </a:cubicBezTo>
+                <a:cubicBezTo>
+                  <a:pt x="5613940" y="8722601"/>
+                  <a:pt x="5486437" y="8699500"/>
+                  <a:pt x="5486437" y="8699500"/>
+                </a:cubicBezTo>
+                <a:cubicBezTo>
+                  <a:pt x="5411701" y="8649676"/>
+                  <a:pt x="5475412" y="8683722"/>
+                  <a:pt x="5334037" y="8661400"/>
+                </a:cubicBezTo>
+                <a:cubicBezTo>
+                  <a:pt x="5291394" y="8654667"/>
+                  <a:pt x="5249370" y="8644467"/>
+                  <a:pt x="5207037" y="8636000"/>
+                </a:cubicBezTo>
+                <a:cubicBezTo>
+                  <a:pt x="5194337" y="8627533"/>
+                  <a:pt x="5182966" y="8616613"/>
+                  <a:pt x="5168937" y="8610600"/>
+                </a:cubicBezTo>
+                <a:cubicBezTo>
+                  <a:pt x="5152894" y="8603724"/>
+                  <a:pt x="5132340" y="8608045"/>
+                  <a:pt x="5118137" y="8597900"/>
+                </a:cubicBezTo>
+                <a:cubicBezTo>
+                  <a:pt x="5100913" y="8585597"/>
+                  <a:pt x="5096108" y="8560875"/>
+                  <a:pt x="5080037" y="8547100"/>
+                </a:cubicBezTo>
+                <a:cubicBezTo>
+                  <a:pt x="5065663" y="8534779"/>
+                  <a:pt x="5044643" y="8532704"/>
+                  <a:pt x="5029237" y="8521700"/>
+                </a:cubicBezTo>
+                <a:cubicBezTo>
+                  <a:pt x="5014622" y="8511261"/>
+                  <a:pt x="5004774" y="8495289"/>
+                  <a:pt x="4991137" y="8483600"/>
+                </a:cubicBezTo>
+                <a:cubicBezTo>
+                  <a:pt x="4975066" y="8469825"/>
+                  <a:pt x="4957270" y="8458200"/>
+                  <a:pt x="4940337" y="8445500"/>
+                </a:cubicBezTo>
+                <a:cubicBezTo>
+                  <a:pt x="4918053" y="8356364"/>
+                  <a:pt x="4946998" y="8426761"/>
+                  <a:pt x="4876837" y="8356600"/>
+                </a:cubicBezTo>
+                <a:cubicBezTo>
+                  <a:pt x="4803871" y="8283634"/>
+                  <a:pt x="4870722" y="8321792"/>
+                  <a:pt x="4813337" y="8293100"/>
+                </a:cubicBezTo>
+                <a:lnTo>
+                  <a:pt x="4851437" y="8191500"/>
+                </a:lnTo>
+                <a:close/>
+              </a:path>
+            </a:pathLst>
+          </a:custGeom>
+          <a:noFill/>
+          <a:ln w="63500">
+            <a:solidFill>
+              <a:srgbClr val="FF0000"/>
+            </a:solidFill>
+          </a:ln>
+        </p:spPr>
+        <p:style>
+          <a:lnRef idx="2">
+            <a:schemeClr val="accent1">
+              <a:shade val="50000"/>
+            </a:schemeClr>
+          </a:lnRef>
+          <a:fillRef idx="1">
+            <a:schemeClr val="accent1"/>
+          </a:fillRef>
+          <a:effectRef idx="0">
+            <a:schemeClr val="accent1"/>
+          </a:effectRef>
+          <a:fontRef idx="minor">
+            <a:schemeClr val="lt1"/>
+          </a:fontRef>
+        </p:style>
+        <p:txBody>
+          <a:bodyPr rtlCol="0" anchor="ctr"/>
+          <a:lstStyle/>
+          <a:p>
+            <a:pPr algn="ctr"/>
+            <a:endParaRPr lang="en-US"/>
+          </a:p>
+        </p:txBody>
+      </p:sp>
+    </p:spTree>
+    <p:extLst>
+      <p:ext uri="{BB962C8B-B14F-4D97-AF65-F5344CB8AC3E}">
+        <p14:creationId xmlns:p14="http://schemas.microsoft.com/office/powerpoint/2010/main" val="1777189348"/>
+      </p:ext>
+    </p:extLst>
+  </p:cSld>
+  <p:clrMapOvr>
+    <a:masterClrMapping/>
+  </p:clrMapOvr>
+</p:sld>
+</file>
+
+<file path=ppt/slides/slide3.xml><?xml version="1.0" encoding="utf-8"?>
 <p:sld xmlns:a="http://schemas.openxmlformats.org/drawingml/2006/main" xmlns:r="http://schemas.openxmlformats.org/officeDocument/2006/relationships" xmlns:p="http://schemas.openxmlformats.org/presentationml/2006/main">
   <p:cSld>
     <p:spTree>
@@ -3635,14 +7269,387 @@
         </p:blipFill>
         <p:spPr>
           <a:xfrm>
-            <a:off x="1393208" y="708350"/>
-            <a:ext cx="8497412" cy="5250037"/>
+            <a:off x="4060908" y="936149"/>
+            <a:ext cx="8069574" cy="4985701"/>
           </a:xfrm>
           <a:prstGeom prst="rect">
             <a:avLst/>
           </a:prstGeom>
         </p:spPr>
       </p:pic>
+      <p:sp>
+        <p:nvSpPr>
+          <p:cNvPr id="2" name="TextBox 1">
+            <a:extLst>
+              <a:ext uri="{FF2B5EF4-FFF2-40B4-BE49-F238E27FC236}">
+                <a16:creationId xmlns:a16="http://schemas.microsoft.com/office/drawing/2014/main" id="{CA5AB652-E654-4F30-864B-F3425921F29B}"/>
+              </a:ext>
+            </a:extLst>
+          </p:cNvPr>
+          <p:cNvSpPr txBox="1"/>
+          <p:nvPr/>
+        </p:nvSpPr>
+        <p:spPr>
+          <a:xfrm>
+            <a:off x="61518" y="1057010"/>
+            <a:ext cx="3999390" cy="2031325"/>
+          </a:xfrm>
+          <a:prstGeom prst="rect">
+            <a:avLst/>
+          </a:prstGeom>
+          <a:noFill/>
+        </p:spPr>
+        <p:txBody>
+          <a:bodyPr wrap="square" rtlCol="0">
+            <a:spAutoFit/>
+          </a:bodyPr>
+          <a:lstStyle/>
+          <a:p>
+            <a:r>
+              <a:rPr lang="en-US" dirty="0"/>
+              <a:t>This is the main “root” function of the code.</a:t>
+            </a:r>
+          </a:p>
+          <a:p>
+            <a:endParaRPr lang="en-US" dirty="0"/>
+          </a:p>
+          <a:p>
+            <a:pPr marL="342900" indent="-342900">
+              <a:buAutoNum type="arabicParenR"/>
+            </a:pPr>
+            <a:r>
+              <a:rPr lang="en-US" dirty="0"/>
+              <a:t>Initializes the GUI</a:t>
+            </a:r>
+          </a:p>
+          <a:p>
+            <a:pPr marL="342900" indent="-342900">
+              <a:buAutoNum type="arabicParenR"/>
+            </a:pPr>
+            <a:endParaRPr lang="en-US" dirty="0"/>
+          </a:p>
+          <a:p>
+            <a:pPr marL="342900" indent="-342900">
+              <a:buAutoNum type="arabicParenR"/>
+            </a:pPr>
+            <a:r>
+              <a:rPr lang="en-US" dirty="0"/>
+              <a:t>Initializes the sequencer</a:t>
+            </a:r>
+          </a:p>
+          <a:p>
+            <a:pPr marL="342900" indent="-342900">
+              <a:buAutoNum type="arabicParenR"/>
+            </a:pPr>
+            <a:endParaRPr lang="en-US" dirty="0"/>
+          </a:p>
+        </p:txBody>
+      </p:sp>
+      <p:sp>
+        <p:nvSpPr>
+          <p:cNvPr id="5" name="TextBox 4">
+            <a:extLst>
+              <a:ext uri="{FF2B5EF4-FFF2-40B4-BE49-F238E27FC236}">
+                <a16:creationId xmlns:a16="http://schemas.microsoft.com/office/drawing/2014/main" id="{98CCAD64-D873-45FF-905C-0CE2A1BC032E}"/>
+              </a:ext>
+            </a:extLst>
+          </p:cNvPr>
+          <p:cNvSpPr txBox="1"/>
+          <p:nvPr/>
+        </p:nvSpPr>
+        <p:spPr>
+          <a:xfrm>
+            <a:off x="-1" y="0"/>
+            <a:ext cx="7172587" cy="830997"/>
+          </a:xfrm>
+          <a:prstGeom prst="rect">
+            <a:avLst/>
+          </a:prstGeom>
+          <a:noFill/>
+        </p:spPr>
+        <p:txBody>
+          <a:bodyPr wrap="square" rtlCol="0">
+            <a:spAutoFit/>
+          </a:bodyPr>
+          <a:lstStyle/>
+          <a:p>
+            <a:r>
+              <a:rPr lang="en-US" sz="4800" dirty="0" err="1"/>
+              <a:t>SequencerGUI.m</a:t>
+            </a:r>
+            <a:endParaRPr lang="en-US" sz="4800" dirty="0"/>
+          </a:p>
+        </p:txBody>
+      </p:sp>
+      <p:cxnSp>
+        <p:nvCxnSpPr>
+          <p:cNvPr id="6" name="Straight Connector 5">
+            <a:extLst>
+              <a:ext uri="{FF2B5EF4-FFF2-40B4-BE49-F238E27FC236}">
+                <a16:creationId xmlns:a16="http://schemas.microsoft.com/office/drawing/2014/main" id="{73310919-2EAA-4285-BA11-86590CEB5D78}"/>
+              </a:ext>
+            </a:extLst>
+          </p:cNvPr>
+          <p:cNvCxnSpPr>
+            <a:cxnSpLocks/>
+          </p:cNvCxnSpPr>
+          <p:nvPr/>
+        </p:nvCxnSpPr>
+        <p:spPr>
+          <a:xfrm>
+            <a:off x="4502863" y="2070538"/>
+            <a:ext cx="1" cy="3773786"/>
+          </a:xfrm>
+          <a:prstGeom prst="line">
+            <a:avLst/>
+          </a:prstGeom>
+          <a:ln w="50800">
+            <a:solidFill>
+              <a:srgbClr val="FF0000"/>
+            </a:solidFill>
+            <a:tailEnd type="stealth" w="lg" len="lg"/>
+          </a:ln>
+        </p:spPr>
+        <p:style>
+          <a:lnRef idx="1">
+            <a:schemeClr val="accent1"/>
+          </a:lnRef>
+          <a:fillRef idx="0">
+            <a:schemeClr val="accent1"/>
+          </a:fillRef>
+          <a:effectRef idx="0">
+            <a:schemeClr val="accent1"/>
+          </a:effectRef>
+          <a:fontRef idx="minor">
+            <a:schemeClr val="tx1"/>
+          </a:fontRef>
+        </p:style>
+      </p:cxnSp>
+      <p:sp>
+        <p:nvSpPr>
+          <p:cNvPr id="9" name="TextBox 8">
+            <a:extLst>
+              <a:ext uri="{FF2B5EF4-FFF2-40B4-BE49-F238E27FC236}">
+                <a16:creationId xmlns:a16="http://schemas.microsoft.com/office/drawing/2014/main" id="{5D05C357-9CB2-4FBE-8408-04A8D41F024A}"/>
+              </a:ext>
+            </a:extLst>
+          </p:cNvPr>
+          <p:cNvSpPr txBox="1"/>
+          <p:nvPr/>
+        </p:nvSpPr>
+        <p:spPr>
+          <a:xfrm>
+            <a:off x="7020910" y="4046034"/>
+            <a:ext cx="3841501" cy="646331"/>
+          </a:xfrm>
+          <a:prstGeom prst="rect">
+            <a:avLst/>
+          </a:prstGeom>
+          <a:noFill/>
+        </p:spPr>
+        <p:txBody>
+          <a:bodyPr wrap="none" rtlCol="0">
+            <a:spAutoFit/>
+          </a:bodyPr>
+          <a:lstStyle/>
+          <a:p>
+            <a:r>
+              <a:rPr lang="en-US" dirty="0" err="1"/>
+              <a:t>gui</a:t>
+            </a:r>
+            <a:r>
+              <a:rPr lang="en-US" dirty="0"/>
+              <a:t> </a:t>
+            </a:r>
+            <a:r>
+              <a:rPr lang="en-US" dirty="0" err="1"/>
+              <a:t>init</a:t>
+            </a:r>
+            <a:r>
+              <a:rPr lang="en-US" dirty="0"/>
+              <a:t>;</a:t>
+            </a:r>
+          </a:p>
+          <a:p>
+            <a:r>
+              <a:rPr lang="en-US" dirty="0"/>
+              <a:t>Refs. simple callbacks in “</a:t>
+            </a:r>
+            <a:r>
+              <a:rPr lang="en-US" dirty="0" err="1"/>
+              <a:t>guifunctions</a:t>
+            </a:r>
+            <a:r>
+              <a:rPr lang="en-US" dirty="0"/>
+              <a:t>”</a:t>
+            </a:r>
+          </a:p>
+        </p:txBody>
+      </p:sp>
+      <p:sp>
+        <p:nvSpPr>
+          <p:cNvPr id="10" name="Rectangle 9">
+            <a:extLst>
+              <a:ext uri="{FF2B5EF4-FFF2-40B4-BE49-F238E27FC236}">
+                <a16:creationId xmlns:a16="http://schemas.microsoft.com/office/drawing/2014/main" id="{22B0D816-975D-4E93-94B2-DFFA0887AEBE}"/>
+              </a:ext>
+            </a:extLst>
+          </p:cNvPr>
+          <p:cNvSpPr/>
+          <p:nvPr/>
+        </p:nvSpPr>
+        <p:spPr>
+          <a:xfrm>
+            <a:off x="4502862" y="1273227"/>
+            <a:ext cx="2518048" cy="397918"/>
+          </a:xfrm>
+          <a:prstGeom prst="rect">
+            <a:avLst/>
+          </a:prstGeom>
+          <a:noFill/>
+          <a:ln w="38100">
+            <a:solidFill>
+              <a:srgbClr val="FF0000"/>
+            </a:solidFill>
+          </a:ln>
+        </p:spPr>
+        <p:style>
+          <a:lnRef idx="2">
+            <a:schemeClr val="accent1">
+              <a:shade val="50000"/>
+            </a:schemeClr>
+          </a:lnRef>
+          <a:fillRef idx="1">
+            <a:schemeClr val="accent1"/>
+          </a:fillRef>
+          <a:effectRef idx="0">
+            <a:schemeClr val="accent1"/>
+          </a:effectRef>
+          <a:fontRef idx="minor">
+            <a:schemeClr val="lt1"/>
+          </a:fontRef>
+        </p:style>
+        <p:txBody>
+          <a:bodyPr rtlCol="0" anchor="ctr"/>
+          <a:lstStyle/>
+          <a:p>
+            <a:pPr algn="ctr"/>
+            <a:endParaRPr lang="en-US"/>
+          </a:p>
+        </p:txBody>
+      </p:sp>
+      <p:cxnSp>
+        <p:nvCxnSpPr>
+          <p:cNvPr id="12" name="Straight Connector 11">
+            <a:extLst>
+              <a:ext uri="{FF2B5EF4-FFF2-40B4-BE49-F238E27FC236}">
+                <a16:creationId xmlns:a16="http://schemas.microsoft.com/office/drawing/2014/main" id="{8ACF7369-7CEB-4D32-88C2-4D5D2ED6293D}"/>
+              </a:ext>
+            </a:extLst>
+          </p:cNvPr>
+          <p:cNvCxnSpPr/>
+          <p:nvPr/>
+        </p:nvCxnSpPr>
+        <p:spPr>
+          <a:xfrm>
+            <a:off x="2900855" y="2722179"/>
+            <a:ext cx="1471448" cy="914400"/>
+          </a:xfrm>
+          <a:prstGeom prst="line">
+            <a:avLst/>
+          </a:prstGeom>
+        </p:spPr>
+        <p:style>
+          <a:lnRef idx="1">
+            <a:schemeClr val="accent1"/>
+          </a:lnRef>
+          <a:fillRef idx="0">
+            <a:schemeClr val="accent1"/>
+          </a:fillRef>
+          <a:effectRef idx="0">
+            <a:schemeClr val="accent1"/>
+          </a:effectRef>
+          <a:fontRef idx="minor">
+            <a:schemeClr val="tx1"/>
+          </a:fontRef>
+        </p:style>
+      </p:cxnSp>
+      <p:cxnSp>
+        <p:nvCxnSpPr>
+          <p:cNvPr id="13" name="Straight Connector 12">
+            <a:extLst>
+              <a:ext uri="{FF2B5EF4-FFF2-40B4-BE49-F238E27FC236}">
+                <a16:creationId xmlns:a16="http://schemas.microsoft.com/office/drawing/2014/main" id="{1D45358E-8170-4DF8-993F-BCEC576B00EF}"/>
+              </a:ext>
+            </a:extLst>
+          </p:cNvPr>
+          <p:cNvCxnSpPr>
+            <a:cxnSpLocks/>
+          </p:cNvCxnSpPr>
+          <p:nvPr/>
+        </p:nvCxnSpPr>
+        <p:spPr>
+          <a:xfrm flipV="1">
+            <a:off x="2230411" y="1472186"/>
+            <a:ext cx="2141892" cy="581866"/>
+          </a:xfrm>
+          <a:prstGeom prst="line">
+            <a:avLst/>
+          </a:prstGeom>
+        </p:spPr>
+        <p:style>
+          <a:lnRef idx="1">
+            <a:schemeClr val="accent1"/>
+          </a:lnRef>
+          <a:fillRef idx="0">
+            <a:schemeClr val="accent1"/>
+          </a:fillRef>
+          <a:effectRef idx="0">
+            <a:schemeClr val="accent1"/>
+          </a:effectRef>
+          <a:fontRef idx="minor">
+            <a:schemeClr val="tx1"/>
+          </a:fontRef>
+        </p:style>
+      </p:cxnSp>
+      <p:sp>
+        <p:nvSpPr>
+          <p:cNvPr id="15" name="TextBox 14">
+            <a:extLst>
+              <a:ext uri="{FF2B5EF4-FFF2-40B4-BE49-F238E27FC236}">
+                <a16:creationId xmlns:a16="http://schemas.microsoft.com/office/drawing/2014/main" id="{0143D2E3-FA06-4FD3-8185-9051E9A0B1BF}"/>
+              </a:ext>
+            </a:extLst>
+          </p:cNvPr>
+          <p:cNvSpPr txBox="1"/>
+          <p:nvPr/>
+        </p:nvSpPr>
+        <p:spPr>
+          <a:xfrm>
+            <a:off x="5294145" y="6273225"/>
+            <a:ext cx="5568266" cy="584775"/>
+          </a:xfrm>
+          <a:prstGeom prst="rect">
+            <a:avLst/>
+          </a:prstGeom>
+          <a:noFill/>
+        </p:spPr>
+        <p:txBody>
+          <a:bodyPr wrap="square" rtlCol="0">
+            <a:spAutoFit/>
+          </a:bodyPr>
+          <a:lstStyle/>
+          <a:p>
+            <a:r>
+              <a:rPr lang="en-US" sz="1400" i="1" dirty="0"/>
+              <a:t>*the callbacks in GUI Functions can probably be condensed into this code*</a:t>
+            </a:r>
+          </a:p>
+          <a:p>
+            <a:endParaRPr lang="en-US" dirty="0"/>
+          </a:p>
+        </p:txBody>
+      </p:sp>
     </p:spTree>
     <p:extLst>
       <p:ext uri="{BB962C8B-B14F-4D97-AF65-F5344CB8AC3E}">
